--- a/ME/Presentation1.pptx
+++ b/ME/Presentation1.pptx
@@ -5,7 +5,18 @@
     <p:sldMasterId id="2147483648" r:id="rId1"/>
   </p:sldMasterIdLst>
   <p:sldIdLst>
-    <p:sldId id="257" r:id="rId2"/>
+    <p:sldId id="259" r:id="rId2"/>
+    <p:sldId id="257" r:id="rId3"/>
+    <p:sldId id="260" r:id="rId4"/>
+    <p:sldId id="262" r:id="rId5"/>
+    <p:sldId id="263" r:id="rId6"/>
+    <p:sldId id="266" r:id="rId7"/>
+    <p:sldId id="264" r:id="rId8"/>
+    <p:sldId id="265" r:id="rId9"/>
+    <p:sldId id="267" r:id="rId10"/>
+    <p:sldId id="271" r:id="rId11"/>
+    <p:sldId id="269" r:id="rId12"/>
+    <p:sldId id="270" r:id="rId13"/>
   </p:sldIdLst>
   <p:sldSz cx="9144000" cy="6858000" type="screen4x3"/>
   <p:notesSz cx="6858000" cy="9144000"/>
@@ -3095,6 +3106,868 @@
           <a:chExt cx="0" cy="0"/>
         </a:xfrm>
       </p:grpSpPr>
+      <p:sp>
+        <p:nvSpPr>
+          <p:cNvPr id="2" name="Title 1"/>
+          <p:cNvSpPr>
+            <a:spLocks noGrp="1"/>
+          </p:cNvSpPr>
+          <p:nvPr>
+            <p:ph type="title"/>
+          </p:nvPr>
+        </p:nvSpPr>
+        <p:spPr/>
+        <p:txBody>
+          <a:bodyPr/>
+          <a:lstStyle/>
+          <a:p>
+            <a:r>
+              <a:rPr lang="en-US" dirty="0" smtClean="0"/>
+              <a:t>Functional Requirements</a:t>
+            </a:r>
+            <a:endParaRPr lang="en-US" dirty="0"/>
+          </a:p>
+        </p:txBody>
+      </p:sp>
+      <p:sp>
+        <p:nvSpPr>
+          <p:cNvPr id="3" name="Content Placeholder 2"/>
+          <p:cNvSpPr>
+            <a:spLocks noGrp="1"/>
+          </p:cNvSpPr>
+          <p:nvPr>
+            <p:ph idx="1"/>
+          </p:nvPr>
+        </p:nvSpPr>
+        <p:spPr/>
+        <p:txBody>
+          <a:bodyPr>
+            <a:normAutofit fontScale="62500" lnSpcReduction="20000"/>
+          </a:bodyPr>
+          <a:lstStyle/>
+          <a:p>
+            <a:r>
+              <a:rPr lang="en-US" dirty="0" smtClean="0"/>
+              <a:t>The System, hereby called Market, may create a database of World of Warcraft items.</a:t>
+            </a:r>
+          </a:p>
+          <a:p>
+            <a:r>
+              <a:rPr lang="en-US" dirty="0" smtClean="0"/>
+              <a:t>The Items may contain buy price, sell price, number sold, and item ID.</a:t>
+            </a:r>
+          </a:p>
+          <a:p>
+            <a:r>
+              <a:rPr lang="en-US" dirty="0" smtClean="0"/>
+              <a:t>The User may easily search for items that cost less to buy than to sell.</a:t>
+            </a:r>
+          </a:p>
+          <a:p>
+            <a:r>
+              <a:rPr lang="en-US" dirty="0" smtClean="0"/>
+              <a:t>The User may select what server the User wishes to browse item data from.</a:t>
+            </a:r>
+          </a:p>
+          <a:p>
+            <a:r>
+              <a:rPr lang="en-US" dirty="0" smtClean="0"/>
+              <a:t>The User may Load and Run pre-made algorithms from the website.</a:t>
+            </a:r>
+          </a:p>
+          <a:p>
+            <a:r>
+              <a:rPr lang="en-US" dirty="0" smtClean="0"/>
+              <a:t>The User may input and run personal algorithms</a:t>
+            </a:r>
+          </a:p>
+          <a:p>
+            <a:r>
+              <a:rPr lang="en-US" dirty="0" smtClean="0"/>
+              <a:t>The User may see the top 10 items with the most increase in sell value, most decrease in sell value, most sold items on the server.</a:t>
+            </a:r>
+          </a:p>
+          <a:p>
+            <a:r>
+              <a:rPr lang="en-US" dirty="0" smtClean="0"/>
+              <a:t>The User may search for items and see a short history of the item’s price.</a:t>
+            </a:r>
+          </a:p>
+          <a:p>
+            <a:r>
+              <a:rPr lang="en-US" dirty="0" smtClean="0"/>
+              <a:t>The User may consult a help guide for quick answers.</a:t>
+            </a:r>
+          </a:p>
+        </p:txBody>
+      </p:sp>
+    </p:spTree>
+    <p:extLst>
+      <p:ext uri="{BB962C8B-B14F-4D97-AF65-F5344CB8AC3E}">
+        <p14:creationId xmlns:p14="http://schemas.microsoft.com/office/powerpoint/2010/main" val="3307064064"/>
+      </p:ext>
+    </p:extLst>
+  </p:cSld>
+  <p:clrMapOvr>
+    <a:masterClrMapping/>
+  </p:clrMapOvr>
+</p:sld>
+</file>
+
+<file path=ppt/slides/slide10.xml><?xml version="1.0" encoding="utf-8"?>
+<p:sld xmlns:a="http://schemas.openxmlformats.org/drawingml/2006/main" xmlns:r="http://schemas.openxmlformats.org/officeDocument/2006/relationships" xmlns:p="http://schemas.openxmlformats.org/presentationml/2006/main">
+  <p:cSld>
+    <p:spTree>
+      <p:nvGrpSpPr>
+        <p:cNvPr id="1" name=""/>
+        <p:cNvGrpSpPr/>
+        <p:nvPr/>
+      </p:nvGrpSpPr>
+      <p:grpSpPr>
+        <a:xfrm>
+          <a:off x="0" y="0"/>
+          <a:ext cx="0" cy="0"/>
+          <a:chOff x="0" y="0"/>
+          <a:chExt cx="0" cy="0"/>
+        </a:xfrm>
+      </p:grpSpPr>
+      <p:sp>
+        <p:nvSpPr>
+          <p:cNvPr id="2" name="Title 1"/>
+          <p:cNvSpPr>
+            <a:spLocks noGrp="1"/>
+          </p:cNvSpPr>
+          <p:nvPr>
+            <p:ph type="title"/>
+          </p:nvPr>
+        </p:nvSpPr>
+        <p:spPr/>
+        <p:txBody>
+          <a:bodyPr>
+            <a:normAutofit/>
+          </a:bodyPr>
+          <a:lstStyle/>
+          <a:p>
+            <a:r>
+              <a:rPr lang="en-US" dirty="0" smtClean="0"/>
+              <a:t>Expanded Use Case: Load</a:t>
+            </a:r>
+            <a:endParaRPr lang="en-US" dirty="0"/>
+          </a:p>
+        </p:txBody>
+      </p:sp>
+      <p:graphicFrame>
+        <p:nvGraphicFramePr>
+          <p:cNvPr id="3" name="Table 2"/>
+          <p:cNvGraphicFramePr>
+            <a:graphicFrameLocks noGrp="1"/>
+          </p:cNvGraphicFramePr>
+          <p:nvPr>
+            <p:extLst>
+              <p:ext uri="{D42A27DB-BD31-4B8C-83A1-F6EECF244321}">
+                <p14:modId xmlns:p14="http://schemas.microsoft.com/office/powerpoint/2010/main" val="1162063400"/>
+              </p:ext>
+            </p:extLst>
+          </p:nvPr>
+        </p:nvGraphicFramePr>
+        <p:xfrm>
+          <a:off x="1524000" y="1397000"/>
+          <a:ext cx="6096000" cy="3947160"/>
+        </p:xfrm>
+        <a:graphic>
+          <a:graphicData uri="http://schemas.openxmlformats.org/drawingml/2006/table">
+            <a:tbl>
+              <a:tblPr firstRow="1" bandRow="1">
+                <a:tableStyleId>{5C22544A-7EE6-4342-B048-85BDC9FD1C3A}</a:tableStyleId>
+              </a:tblPr>
+              <a:tblGrid>
+                <a:gridCol w="3048000"/>
+                <a:gridCol w="3048000"/>
+              </a:tblGrid>
+              <a:tr h="370840">
+                <a:tc gridSpan="2">
+                  <a:txBody>
+                    <a:bodyPr/>
+                    <a:lstStyle/>
+                    <a:p>
+                      <a:r>
+                        <a:rPr lang="en-US" dirty="0" smtClean="0"/>
+                        <a:t>Precondition: User is at</a:t>
+                      </a:r>
+                      <a:r>
+                        <a:rPr lang="en-US" baseline="0" dirty="0" smtClean="0"/>
+                        <a:t> Test</a:t>
+                      </a:r>
+                      <a:r>
+                        <a:rPr lang="en-US" dirty="0" smtClean="0"/>
+                        <a:t> section</a:t>
+                      </a:r>
+                      <a:r>
+                        <a:rPr lang="en-US" baseline="0" dirty="0" smtClean="0"/>
+                        <a:t>.</a:t>
+                      </a:r>
+                      <a:endParaRPr lang="en-US" dirty="0"/>
+                    </a:p>
+                  </a:txBody>
+                  <a:tcPr/>
+                </a:tc>
+                <a:tc hMerge="1">
+                  <a:txBody>
+                    <a:bodyPr/>
+                    <a:lstStyle/>
+                    <a:p>
+                      <a:endParaRPr lang="en-US" dirty="0"/>
+                    </a:p>
+                  </a:txBody>
+                  <a:tcPr/>
+                </a:tc>
+              </a:tr>
+              <a:tr h="370840">
+                <a:tc>
+                  <a:txBody>
+                    <a:bodyPr/>
+                    <a:lstStyle/>
+                    <a:p>
+                      <a:r>
+                        <a:rPr lang="en-US" dirty="0" smtClean="0"/>
+                        <a:t>Actor: User</a:t>
+                      </a:r>
+                      <a:endParaRPr lang="en-US" dirty="0"/>
+                    </a:p>
+                  </a:txBody>
+                  <a:tcPr/>
+                </a:tc>
+                <a:tc>
+                  <a:txBody>
+                    <a:bodyPr/>
+                    <a:lstStyle/>
+                    <a:p>
+                      <a:r>
+                        <a:rPr lang="en-US" dirty="0" smtClean="0"/>
+                        <a:t>System: Market</a:t>
+                      </a:r>
+                      <a:endParaRPr lang="en-US" dirty="0"/>
+                    </a:p>
+                  </a:txBody>
+                  <a:tcPr/>
+                </a:tc>
+              </a:tr>
+              <a:tr h="370840">
+                <a:tc>
+                  <a:txBody>
+                    <a:bodyPr/>
+                    <a:lstStyle/>
+                    <a:p>
+                      <a:endParaRPr lang="en-US" dirty="0"/>
+                    </a:p>
+                  </a:txBody>
+                  <a:tcPr/>
+                </a:tc>
+                <a:tc>
+                  <a:txBody>
+                    <a:bodyPr/>
+                    <a:lstStyle/>
+                    <a:p>
+                      <a:r>
+                        <a:rPr lang="en-US" dirty="0" smtClean="0"/>
+                        <a:t>(0)Market displays</a:t>
+                      </a:r>
+                      <a:r>
+                        <a:rPr lang="en-US" baseline="0" dirty="0" smtClean="0"/>
+                        <a:t> test </a:t>
+                      </a:r>
+                      <a:r>
+                        <a:rPr lang="en-US" baseline="0" dirty="0" err="1" smtClean="0"/>
+                        <a:t>gui</a:t>
+                      </a:r>
+                      <a:endParaRPr lang="en-US" dirty="0"/>
+                    </a:p>
+                  </a:txBody>
+                  <a:tcPr/>
+                </a:tc>
+              </a:tr>
+              <a:tr h="370840">
+                <a:tc>
+                  <a:txBody>
+                    <a:bodyPr/>
+                    <a:lstStyle/>
+                    <a:p>
+                      <a:r>
+                        <a:rPr lang="en-US" dirty="0" smtClean="0"/>
+                        <a:t>(1)TUCBW User enters</a:t>
+                      </a:r>
+                      <a:r>
+                        <a:rPr lang="en-US" baseline="0" dirty="0" smtClean="0"/>
+                        <a:t> name of item to be searched for.</a:t>
+                      </a:r>
+                      <a:endParaRPr lang="en-US" dirty="0"/>
+                    </a:p>
+                  </a:txBody>
+                  <a:tcPr/>
+                </a:tc>
+                <a:tc>
+                  <a:txBody>
+                    <a:bodyPr/>
+                    <a:lstStyle/>
+                    <a:p>
+                      <a:r>
+                        <a:rPr lang="en-US" dirty="0" smtClean="0"/>
+                        <a:t>(2) Market</a:t>
+                      </a:r>
+                      <a:r>
+                        <a:rPr lang="en-US" baseline="0" dirty="0" smtClean="0"/>
+                        <a:t> finds a list of items with full or partial matching names.</a:t>
+                      </a:r>
+                      <a:endParaRPr lang="en-US" dirty="0"/>
+                    </a:p>
+                  </a:txBody>
+                  <a:tcPr/>
+                </a:tc>
+              </a:tr>
+              <a:tr h="370840">
+                <a:tc>
+                  <a:txBody>
+                    <a:bodyPr/>
+                    <a:lstStyle/>
+                    <a:p>
+                      <a:r>
+                        <a:rPr lang="en-US" dirty="0" smtClean="0"/>
+                        <a:t>(3) User selects desired item</a:t>
+                      </a:r>
+                      <a:endParaRPr lang="en-US" dirty="0"/>
+                    </a:p>
+                  </a:txBody>
+                  <a:tcPr/>
+                </a:tc>
+                <a:tc>
+                  <a:txBody>
+                    <a:bodyPr/>
+                    <a:lstStyle/>
+                    <a:p>
+                      <a:r>
+                        <a:rPr lang="en-US" dirty="0" smtClean="0"/>
+                        <a:t>(4) Market displays</a:t>
+                      </a:r>
+                      <a:r>
+                        <a:rPr lang="en-US" baseline="0" dirty="0" smtClean="0"/>
+                        <a:t> data about item</a:t>
+                      </a:r>
+                    </a:p>
+                  </a:txBody>
+                  <a:tcPr/>
+                </a:tc>
+              </a:tr>
+              <a:tr h="370840">
+                <a:tc>
+                  <a:txBody>
+                    <a:bodyPr/>
+                    <a:lstStyle/>
+                    <a:p>
+                      <a:r>
+                        <a:rPr lang="en-US" dirty="0" smtClean="0"/>
+                        <a:t>(5) User enters custom algorithm</a:t>
+                      </a:r>
+                      <a:r>
+                        <a:rPr lang="en-US" baseline="0" dirty="0" smtClean="0"/>
+                        <a:t> to apply to item</a:t>
+                      </a:r>
+                      <a:endParaRPr lang="en-US" dirty="0"/>
+                    </a:p>
+                  </a:txBody>
+                  <a:tcPr/>
+                </a:tc>
+                <a:tc>
+                  <a:txBody>
+                    <a:bodyPr/>
+                    <a:lstStyle/>
+                    <a:p>
+                      <a:r>
+                        <a:rPr lang="en-US" baseline="0" dirty="0" smtClean="0"/>
+                        <a:t>(6) Market applies algorithm to item’s sell history.</a:t>
+                      </a:r>
+                    </a:p>
+                  </a:txBody>
+                  <a:tcPr/>
+                </a:tc>
+              </a:tr>
+              <a:tr h="370840">
+                <a:tc>
+                  <a:txBody>
+                    <a:bodyPr/>
+                    <a:lstStyle/>
+                    <a:p>
+                      <a:r>
+                        <a:rPr lang="en-US" dirty="0" smtClean="0"/>
+                        <a:t>(7) TUCEW User interprets data.</a:t>
+                      </a:r>
+                      <a:endParaRPr lang="en-US" dirty="0"/>
+                    </a:p>
+                  </a:txBody>
+                  <a:tcPr/>
+                </a:tc>
+                <a:tc>
+                  <a:txBody>
+                    <a:bodyPr/>
+                    <a:lstStyle/>
+                    <a:p>
+                      <a:endParaRPr lang="en-US" baseline="0" dirty="0" smtClean="0"/>
+                    </a:p>
+                  </a:txBody>
+                  <a:tcPr/>
+                </a:tc>
+              </a:tr>
+            </a:tbl>
+          </a:graphicData>
+        </a:graphic>
+      </p:graphicFrame>
+    </p:spTree>
+    <p:extLst>
+      <p:ext uri="{BB962C8B-B14F-4D97-AF65-F5344CB8AC3E}">
+        <p14:creationId xmlns:p14="http://schemas.microsoft.com/office/powerpoint/2010/main" val="2223244669"/>
+      </p:ext>
+    </p:extLst>
+  </p:cSld>
+  <p:clrMapOvr>
+    <a:masterClrMapping/>
+  </p:clrMapOvr>
+</p:sld>
+</file>
+
+<file path=ppt/slides/slide11.xml><?xml version="1.0" encoding="utf-8"?>
+<p:sld xmlns:a="http://schemas.openxmlformats.org/drawingml/2006/main" xmlns:r="http://schemas.openxmlformats.org/officeDocument/2006/relationships" xmlns:p="http://schemas.openxmlformats.org/presentationml/2006/main">
+  <p:cSld>
+    <p:spTree>
+      <p:nvGrpSpPr>
+        <p:cNvPr id="1" name=""/>
+        <p:cNvGrpSpPr/>
+        <p:nvPr/>
+      </p:nvGrpSpPr>
+      <p:grpSpPr>
+        <a:xfrm>
+          <a:off x="0" y="0"/>
+          <a:ext cx="0" cy="0"/>
+          <a:chOff x="0" y="0"/>
+          <a:chExt cx="0" cy="0"/>
+        </a:xfrm>
+      </p:grpSpPr>
+      <p:sp>
+        <p:nvSpPr>
+          <p:cNvPr id="2" name="Title 1"/>
+          <p:cNvSpPr>
+            <a:spLocks noGrp="1"/>
+          </p:cNvSpPr>
+          <p:nvPr>
+            <p:ph type="title"/>
+          </p:nvPr>
+        </p:nvSpPr>
+        <p:spPr/>
+        <p:txBody>
+          <a:bodyPr>
+            <a:normAutofit/>
+          </a:bodyPr>
+          <a:lstStyle/>
+          <a:p>
+            <a:r>
+              <a:rPr lang="en-US" dirty="0" smtClean="0"/>
+              <a:t>Expanded Use Case: Start up</a:t>
+            </a:r>
+            <a:endParaRPr lang="en-US" dirty="0"/>
+          </a:p>
+        </p:txBody>
+      </p:sp>
+      <p:graphicFrame>
+        <p:nvGraphicFramePr>
+          <p:cNvPr id="3" name="Table 2"/>
+          <p:cNvGraphicFramePr>
+            <a:graphicFrameLocks noGrp="1"/>
+          </p:cNvGraphicFramePr>
+          <p:nvPr>
+            <p:extLst>
+              <p:ext uri="{D42A27DB-BD31-4B8C-83A1-F6EECF244321}">
+                <p14:modId xmlns:p14="http://schemas.microsoft.com/office/powerpoint/2010/main" val="522343563"/>
+              </p:ext>
+            </p:extLst>
+          </p:nvPr>
+        </p:nvGraphicFramePr>
+        <p:xfrm>
+          <a:off x="1524000" y="1397000"/>
+          <a:ext cx="6096000" cy="1854200"/>
+        </p:xfrm>
+        <a:graphic>
+          <a:graphicData uri="http://schemas.openxmlformats.org/drawingml/2006/table">
+            <a:tbl>
+              <a:tblPr firstRow="1" bandRow="1">
+                <a:tableStyleId>{5C22544A-7EE6-4342-B048-85BDC9FD1C3A}</a:tableStyleId>
+              </a:tblPr>
+              <a:tblGrid>
+                <a:gridCol w="3048000"/>
+                <a:gridCol w="3048000"/>
+              </a:tblGrid>
+              <a:tr h="370840">
+                <a:tc gridSpan="2">
+                  <a:txBody>
+                    <a:bodyPr/>
+                    <a:lstStyle/>
+                    <a:p>
+                      <a:r>
+                        <a:rPr lang="en-US" dirty="0" smtClean="0"/>
+                        <a:t>Precondition</a:t>
+                      </a:r>
+                      <a:endParaRPr lang="en-US" dirty="0"/>
+                    </a:p>
+                  </a:txBody>
+                  <a:tcPr/>
+                </a:tc>
+                <a:tc hMerge="1">
+                  <a:txBody>
+                    <a:bodyPr/>
+                    <a:lstStyle/>
+                    <a:p>
+                      <a:endParaRPr lang="en-US" dirty="0"/>
+                    </a:p>
+                  </a:txBody>
+                  <a:tcPr/>
+                </a:tc>
+              </a:tr>
+              <a:tr h="370840">
+                <a:tc>
+                  <a:txBody>
+                    <a:bodyPr/>
+                    <a:lstStyle/>
+                    <a:p>
+                      <a:r>
+                        <a:rPr lang="en-US" dirty="0" smtClean="0"/>
+                        <a:t>Actor: Admin</a:t>
+                      </a:r>
+                      <a:endParaRPr lang="en-US" dirty="0"/>
+                    </a:p>
+                  </a:txBody>
+                  <a:tcPr/>
+                </a:tc>
+                <a:tc>
+                  <a:txBody>
+                    <a:bodyPr/>
+                    <a:lstStyle/>
+                    <a:p>
+                      <a:r>
+                        <a:rPr lang="en-US" dirty="0" smtClean="0"/>
+                        <a:t>System: Market</a:t>
+                      </a:r>
+                      <a:endParaRPr lang="en-US" dirty="0"/>
+                    </a:p>
+                  </a:txBody>
+                  <a:tcPr/>
+                </a:tc>
+              </a:tr>
+              <a:tr h="370840">
+                <a:tc>
+                  <a:txBody>
+                    <a:bodyPr/>
+                    <a:lstStyle/>
+                    <a:p>
+                      <a:endParaRPr lang="en-US" dirty="0"/>
+                    </a:p>
+                  </a:txBody>
+                  <a:tcPr/>
+                </a:tc>
+                <a:tc>
+                  <a:txBody>
+                    <a:bodyPr/>
+                    <a:lstStyle/>
+                    <a:p>
+                      <a:endParaRPr lang="en-US" dirty="0"/>
+                    </a:p>
+                  </a:txBody>
+                  <a:tcPr/>
+                </a:tc>
+              </a:tr>
+              <a:tr h="370840">
+                <a:tc>
+                  <a:txBody>
+                    <a:bodyPr/>
+                    <a:lstStyle/>
+                    <a:p>
+                      <a:endParaRPr lang="en-US" dirty="0"/>
+                    </a:p>
+                  </a:txBody>
+                  <a:tcPr/>
+                </a:tc>
+                <a:tc>
+                  <a:txBody>
+                    <a:bodyPr/>
+                    <a:lstStyle/>
+                    <a:p>
+                      <a:endParaRPr lang="en-US" dirty="0"/>
+                    </a:p>
+                  </a:txBody>
+                  <a:tcPr/>
+                </a:tc>
+              </a:tr>
+              <a:tr h="370840">
+                <a:tc>
+                  <a:txBody>
+                    <a:bodyPr/>
+                    <a:lstStyle/>
+                    <a:p>
+                      <a:endParaRPr lang="en-US" dirty="0"/>
+                    </a:p>
+                  </a:txBody>
+                  <a:tcPr/>
+                </a:tc>
+                <a:tc>
+                  <a:txBody>
+                    <a:bodyPr/>
+                    <a:lstStyle/>
+                    <a:p>
+                      <a:endParaRPr lang="en-US" dirty="0"/>
+                    </a:p>
+                  </a:txBody>
+                  <a:tcPr/>
+                </a:tc>
+              </a:tr>
+            </a:tbl>
+          </a:graphicData>
+        </a:graphic>
+      </p:graphicFrame>
+    </p:spTree>
+    <p:extLst>
+      <p:ext uri="{BB962C8B-B14F-4D97-AF65-F5344CB8AC3E}">
+        <p14:creationId xmlns:p14="http://schemas.microsoft.com/office/powerpoint/2010/main" val="2318906886"/>
+      </p:ext>
+    </p:extLst>
+  </p:cSld>
+  <p:clrMapOvr>
+    <a:masterClrMapping/>
+  </p:clrMapOvr>
+</p:sld>
+</file>
+
+<file path=ppt/slides/slide12.xml><?xml version="1.0" encoding="utf-8"?>
+<p:sld xmlns:a="http://schemas.openxmlformats.org/drawingml/2006/main" xmlns:r="http://schemas.openxmlformats.org/officeDocument/2006/relationships" xmlns:p="http://schemas.openxmlformats.org/presentationml/2006/main">
+  <p:cSld>
+    <p:spTree>
+      <p:nvGrpSpPr>
+        <p:cNvPr id="1" name=""/>
+        <p:cNvGrpSpPr/>
+        <p:nvPr/>
+      </p:nvGrpSpPr>
+      <p:grpSpPr>
+        <a:xfrm>
+          <a:off x="0" y="0"/>
+          <a:ext cx="0" cy="0"/>
+          <a:chOff x="0" y="0"/>
+          <a:chExt cx="0" cy="0"/>
+        </a:xfrm>
+      </p:grpSpPr>
+      <p:sp>
+        <p:nvSpPr>
+          <p:cNvPr id="2" name="Title 1"/>
+          <p:cNvSpPr>
+            <a:spLocks noGrp="1"/>
+          </p:cNvSpPr>
+          <p:nvPr>
+            <p:ph type="title"/>
+          </p:nvPr>
+        </p:nvSpPr>
+        <p:spPr/>
+        <p:txBody>
+          <a:bodyPr>
+            <a:normAutofit/>
+          </a:bodyPr>
+          <a:lstStyle/>
+          <a:p>
+            <a:r>
+              <a:rPr lang="en-US" dirty="0" smtClean="0"/>
+              <a:t>Expanded Use Case: Shut down</a:t>
+            </a:r>
+            <a:endParaRPr lang="en-US" dirty="0"/>
+          </a:p>
+        </p:txBody>
+      </p:sp>
+      <p:graphicFrame>
+        <p:nvGraphicFramePr>
+          <p:cNvPr id="3" name="Table 2"/>
+          <p:cNvGraphicFramePr>
+            <a:graphicFrameLocks noGrp="1"/>
+          </p:cNvGraphicFramePr>
+          <p:nvPr>
+            <p:extLst>
+              <p:ext uri="{D42A27DB-BD31-4B8C-83A1-F6EECF244321}">
+                <p14:modId xmlns:p14="http://schemas.microsoft.com/office/powerpoint/2010/main" val="287426260"/>
+              </p:ext>
+            </p:extLst>
+          </p:nvPr>
+        </p:nvGraphicFramePr>
+        <p:xfrm>
+          <a:off x="1524000" y="1397000"/>
+          <a:ext cx="6096000" cy="1854200"/>
+        </p:xfrm>
+        <a:graphic>
+          <a:graphicData uri="http://schemas.openxmlformats.org/drawingml/2006/table">
+            <a:tbl>
+              <a:tblPr firstRow="1" bandRow="1">
+                <a:tableStyleId>{5C22544A-7EE6-4342-B048-85BDC9FD1C3A}</a:tableStyleId>
+              </a:tblPr>
+              <a:tblGrid>
+                <a:gridCol w="3048000"/>
+                <a:gridCol w="3048000"/>
+              </a:tblGrid>
+              <a:tr h="370840">
+                <a:tc gridSpan="2">
+                  <a:txBody>
+                    <a:bodyPr/>
+                    <a:lstStyle/>
+                    <a:p>
+                      <a:r>
+                        <a:rPr lang="en-US" dirty="0" smtClean="0"/>
+                        <a:t>Precondition:</a:t>
+                      </a:r>
+                      <a:endParaRPr lang="en-US" dirty="0"/>
+                    </a:p>
+                  </a:txBody>
+                  <a:tcPr/>
+                </a:tc>
+                <a:tc hMerge="1">
+                  <a:txBody>
+                    <a:bodyPr/>
+                    <a:lstStyle/>
+                    <a:p>
+                      <a:endParaRPr lang="en-US" dirty="0"/>
+                    </a:p>
+                  </a:txBody>
+                  <a:tcPr/>
+                </a:tc>
+              </a:tr>
+              <a:tr h="370840">
+                <a:tc>
+                  <a:txBody>
+                    <a:bodyPr/>
+                    <a:lstStyle/>
+                    <a:p>
+                      <a:r>
+                        <a:rPr lang="en-US" dirty="0" smtClean="0"/>
+                        <a:t>Actor: Admin</a:t>
+                      </a:r>
+                      <a:endParaRPr lang="en-US" dirty="0"/>
+                    </a:p>
+                  </a:txBody>
+                  <a:tcPr/>
+                </a:tc>
+                <a:tc>
+                  <a:txBody>
+                    <a:bodyPr/>
+                    <a:lstStyle/>
+                    <a:p>
+                      <a:r>
+                        <a:rPr lang="en-US" dirty="0" smtClean="0"/>
+                        <a:t>System: Market</a:t>
+                      </a:r>
+                      <a:endParaRPr lang="en-US" dirty="0"/>
+                    </a:p>
+                  </a:txBody>
+                  <a:tcPr/>
+                </a:tc>
+              </a:tr>
+              <a:tr h="370840">
+                <a:tc>
+                  <a:txBody>
+                    <a:bodyPr/>
+                    <a:lstStyle/>
+                    <a:p>
+                      <a:endParaRPr lang="en-US" dirty="0"/>
+                    </a:p>
+                  </a:txBody>
+                  <a:tcPr/>
+                </a:tc>
+                <a:tc>
+                  <a:txBody>
+                    <a:bodyPr/>
+                    <a:lstStyle/>
+                    <a:p>
+                      <a:endParaRPr lang="en-US" dirty="0"/>
+                    </a:p>
+                  </a:txBody>
+                  <a:tcPr/>
+                </a:tc>
+              </a:tr>
+              <a:tr h="370840">
+                <a:tc>
+                  <a:txBody>
+                    <a:bodyPr/>
+                    <a:lstStyle/>
+                    <a:p>
+                      <a:endParaRPr lang="en-US" dirty="0"/>
+                    </a:p>
+                  </a:txBody>
+                  <a:tcPr/>
+                </a:tc>
+                <a:tc>
+                  <a:txBody>
+                    <a:bodyPr/>
+                    <a:lstStyle/>
+                    <a:p>
+                      <a:endParaRPr lang="en-US" dirty="0"/>
+                    </a:p>
+                  </a:txBody>
+                  <a:tcPr/>
+                </a:tc>
+              </a:tr>
+              <a:tr h="370840">
+                <a:tc>
+                  <a:txBody>
+                    <a:bodyPr/>
+                    <a:lstStyle/>
+                    <a:p>
+                      <a:endParaRPr lang="en-US" dirty="0"/>
+                    </a:p>
+                  </a:txBody>
+                  <a:tcPr/>
+                </a:tc>
+                <a:tc>
+                  <a:txBody>
+                    <a:bodyPr/>
+                    <a:lstStyle/>
+                    <a:p>
+                      <a:endParaRPr lang="en-US" dirty="0"/>
+                    </a:p>
+                  </a:txBody>
+                  <a:tcPr/>
+                </a:tc>
+              </a:tr>
+            </a:tbl>
+          </a:graphicData>
+        </a:graphic>
+      </p:graphicFrame>
+    </p:spTree>
+    <p:extLst>
+      <p:ext uri="{BB962C8B-B14F-4D97-AF65-F5344CB8AC3E}">
+        <p14:creationId xmlns:p14="http://schemas.microsoft.com/office/powerpoint/2010/main" val="2318906886"/>
+      </p:ext>
+    </p:extLst>
+  </p:cSld>
+  <p:clrMapOvr>
+    <a:masterClrMapping/>
+  </p:clrMapOvr>
+</p:sld>
+</file>
+
+<file path=ppt/slides/slide2.xml><?xml version="1.0" encoding="utf-8"?>
+<p:sld xmlns:a="http://schemas.openxmlformats.org/drawingml/2006/main" xmlns:r="http://schemas.openxmlformats.org/officeDocument/2006/relationships" xmlns:p="http://schemas.openxmlformats.org/presentationml/2006/main">
+  <p:cSld>
+    <p:spTree>
+      <p:nvGrpSpPr>
+        <p:cNvPr id="1" name=""/>
+        <p:cNvGrpSpPr/>
+        <p:nvPr/>
+      </p:nvGrpSpPr>
+      <p:grpSpPr>
+        <a:xfrm>
+          <a:off x="0" y="0"/>
+          <a:ext cx="0" cy="0"/>
+          <a:chOff x="0" y="0"/>
+          <a:chExt cx="0" cy="0"/>
+        </a:xfrm>
+      </p:grpSpPr>
       <p:cxnSp>
         <p:nvCxnSpPr>
           <p:cNvPr id="3" name="Straight Connector 2"/>
@@ -3264,7 +4137,7 @@
         <p:spPr>
           <a:xfrm>
             <a:off x="1989568" y="1600200"/>
-            <a:ext cx="2057400" cy="5181600"/>
+            <a:ext cx="2057400" cy="4267200"/>
           </a:xfrm>
           <a:prstGeom prst="rect">
             <a:avLst/>
@@ -3332,8 +4205,8 @@
           <a:p>
             <a:pPr algn="ctr"/>
             <a:r>
-              <a:rPr lang="en-US" dirty="0" err="1" smtClean="0"/>
-              <a:t>Marketeers</a:t>
+              <a:rPr lang="en-US" dirty="0" smtClean="0"/>
+              <a:t>Market</a:t>
             </a:r>
             <a:endParaRPr lang="en-US" dirty="0"/>
           </a:p>
@@ -3460,13 +4333,13 @@
       </p:sp>
       <p:sp>
         <p:nvSpPr>
-          <p:cNvPr id="21" name="Oval 20"/>
+          <p:cNvPr id="22" name="Oval 21"/>
           <p:cNvSpPr/>
           <p:nvPr/>
         </p:nvSpPr>
         <p:spPr>
           <a:xfrm>
-            <a:off x="2245586" y="3225325"/>
+            <a:off x="2256268" y="3259508"/>
             <a:ext cx="1524000" cy="742950"/>
           </a:xfrm>
           <a:prstGeom prst="ellipse">
@@ -3496,20 +4369,20 @@
             <a:pPr algn="ctr"/>
             <a:r>
               <a:rPr lang="en-US" dirty="0" smtClean="0"/>
-              <a:t>Save</a:t>
-            </a:r>
-          </a:p>
-        </p:txBody>
-      </p:sp>
-      <p:sp>
-        <p:nvSpPr>
-          <p:cNvPr id="22" name="Oval 21"/>
+              <a:t>Run</a:t>
+            </a:r>
+          </a:p>
+        </p:txBody>
+      </p:sp>
+      <p:sp>
+        <p:nvSpPr>
+          <p:cNvPr id="23" name="Oval 22"/>
           <p:cNvSpPr/>
           <p:nvPr/>
         </p:nvSpPr>
         <p:spPr>
           <a:xfrm>
-            <a:off x="2245586" y="4002458"/>
+            <a:off x="2256268" y="4057650"/>
             <a:ext cx="1524000" cy="742950"/>
           </a:xfrm>
           <a:prstGeom prst="ellipse">
@@ -3539,49 +4412,6 @@
             <a:pPr algn="ctr"/>
             <a:r>
               <a:rPr lang="en-US" dirty="0" smtClean="0"/>
-              <a:t>Run</a:t>
-            </a:r>
-          </a:p>
-        </p:txBody>
-      </p:sp>
-      <p:sp>
-        <p:nvSpPr>
-          <p:cNvPr id="23" name="Oval 22"/>
-          <p:cNvSpPr/>
-          <p:nvPr/>
-        </p:nvSpPr>
-        <p:spPr>
-          <a:xfrm>
-            <a:off x="2245586" y="4800600"/>
-            <a:ext cx="1524000" cy="742950"/>
-          </a:xfrm>
-          <a:prstGeom prst="ellipse">
-            <a:avLst/>
-          </a:prstGeom>
-        </p:spPr>
-        <p:style>
-          <a:lnRef idx="2">
-            <a:schemeClr val="accent1">
-              <a:shade val="50000"/>
-            </a:schemeClr>
-          </a:lnRef>
-          <a:fillRef idx="1">
-            <a:schemeClr val="accent1"/>
-          </a:fillRef>
-          <a:effectRef idx="0">
-            <a:schemeClr val="accent1"/>
-          </a:effectRef>
-          <a:fontRef idx="minor">
-            <a:schemeClr val="lt1"/>
-          </a:fontRef>
-        </p:style>
-        <p:txBody>
-          <a:bodyPr rtlCol="0" anchor="ctr"/>
-          <a:lstStyle/>
-          <a:p>
-            <a:pPr algn="ctr"/>
-            <a:r>
-              <a:rPr lang="en-US" dirty="0" smtClean="0"/>
               <a:t>Change Server</a:t>
             </a:r>
           </a:p>
@@ -3595,7 +4425,7 @@
         </p:nvSpPr>
         <p:spPr>
           <a:xfrm>
-            <a:off x="2245586" y="5656337"/>
+            <a:off x="2256268" y="4913387"/>
             <a:ext cx="1524000" cy="742950"/>
           </a:xfrm>
           <a:prstGeom prst="ellipse">
@@ -3711,41 +4541,6 @@
       </p:cxnSp>
       <p:cxnSp>
         <p:nvCxnSpPr>
-          <p:cNvPr id="30" name="Straight Arrow Connector 29"/>
-          <p:cNvCxnSpPr>
-            <a:endCxn id="21" idx="2"/>
-          </p:cNvCxnSpPr>
-          <p:nvPr/>
-        </p:nvCxnSpPr>
-        <p:spPr>
-          <a:xfrm>
-            <a:off x="1246618" y="2514600"/>
-            <a:ext cx="998968" cy="1082200"/>
-          </a:xfrm>
-          <a:prstGeom prst="straightConnector1">
-            <a:avLst/>
-          </a:prstGeom>
-          <a:ln>
-            <a:tailEnd type="arrow"/>
-          </a:ln>
-        </p:spPr>
-        <p:style>
-          <a:lnRef idx="2">
-            <a:schemeClr val="accent2"/>
-          </a:lnRef>
-          <a:fillRef idx="0">
-            <a:schemeClr val="accent2"/>
-          </a:fillRef>
-          <a:effectRef idx="1">
-            <a:schemeClr val="accent2"/>
-          </a:effectRef>
-          <a:fontRef idx="minor">
-            <a:schemeClr val="tx1"/>
-          </a:fontRef>
-        </p:style>
-      </p:cxnSp>
-      <p:cxnSp>
-        <p:nvCxnSpPr>
           <p:cNvPr id="36" name="Straight Arrow Connector 35"/>
           <p:cNvCxnSpPr>
             <a:endCxn id="23" idx="2"/>
@@ -3754,8 +4549,8 @@
         </p:nvCxnSpPr>
         <p:spPr>
           <a:xfrm>
-            <a:off x="1246618" y="2514600"/>
-            <a:ext cx="998968" cy="2657475"/>
+            <a:off x="1287566" y="2514600"/>
+            <a:ext cx="968702" cy="1914525"/>
           </a:xfrm>
           <a:prstGeom prst="straightConnector1">
             <a:avLst/>
@@ -3789,8 +4584,8 @@
         </p:nvCxnSpPr>
         <p:spPr>
           <a:xfrm>
-            <a:off x="1246618" y="2514600"/>
-            <a:ext cx="998968" cy="3513212"/>
+            <a:off x="1287566" y="2571750"/>
+            <a:ext cx="968702" cy="2713112"/>
           </a:xfrm>
           <a:prstGeom prst="straightConnector1">
             <a:avLst/>
@@ -3824,8 +4619,8 @@
         </p:nvCxnSpPr>
         <p:spPr>
           <a:xfrm>
-            <a:off x="1246618" y="2514600"/>
-            <a:ext cx="998968" cy="1859333"/>
+            <a:off x="1287566" y="2514600"/>
+            <a:ext cx="968702" cy="1116383"/>
           </a:xfrm>
           <a:prstGeom prst="straightConnector1">
             <a:avLst/>
@@ -4049,7 +4844,7 @@
         <p:spPr>
           <a:xfrm>
             <a:off x="6324600" y="1600200"/>
-            <a:ext cx="2057400" cy="5181600"/>
+            <a:ext cx="2057400" cy="1871662"/>
           </a:xfrm>
           <a:prstGeom prst="rect">
             <a:avLst/>
@@ -4315,8 +5110,8 @@
           <a:p>
             <a:pPr algn="ctr"/>
             <a:r>
-              <a:rPr lang="en-US" dirty="0" err="1" smtClean="0"/>
-              <a:t>Marketeers</a:t>
+              <a:rPr lang="en-US" dirty="0" smtClean="0"/>
+              <a:t>Market</a:t>
             </a:r>
             <a:endParaRPr lang="en-US" dirty="0"/>
           </a:p>
@@ -4339,6 +5134,1863 @@
       </p:par>
     </p:tnLst>
   </p:timing>
+</p:sld>
+</file>
+
+<file path=ppt/slides/slide3.xml><?xml version="1.0" encoding="utf-8"?>
+<p:sld xmlns:a="http://schemas.openxmlformats.org/drawingml/2006/main" xmlns:r="http://schemas.openxmlformats.org/officeDocument/2006/relationships" xmlns:p="http://schemas.openxmlformats.org/presentationml/2006/main">
+  <p:cSld>
+    <p:spTree>
+      <p:nvGrpSpPr>
+        <p:cNvPr id="1" name=""/>
+        <p:cNvGrpSpPr/>
+        <p:nvPr/>
+      </p:nvGrpSpPr>
+      <p:grpSpPr>
+        <a:xfrm>
+          <a:off x="0" y="0"/>
+          <a:ext cx="0" cy="0"/>
+          <a:chOff x="0" y="0"/>
+          <a:chExt cx="0" cy="0"/>
+        </a:xfrm>
+      </p:grpSpPr>
+      <p:sp>
+        <p:nvSpPr>
+          <p:cNvPr id="2" name="Title 1"/>
+          <p:cNvSpPr>
+            <a:spLocks noGrp="1"/>
+          </p:cNvSpPr>
+          <p:nvPr>
+            <p:ph type="title"/>
+          </p:nvPr>
+        </p:nvSpPr>
+        <p:spPr/>
+        <p:txBody>
+          <a:bodyPr>
+            <a:normAutofit fontScale="90000"/>
+          </a:bodyPr>
+          <a:lstStyle/>
+          <a:p>
+            <a:r>
+              <a:rPr lang="en-US" dirty="0" smtClean="0"/>
+              <a:t>Expanded Use Case: Check Sell&gt;Buy</a:t>
+            </a:r>
+            <a:endParaRPr lang="en-US" dirty="0"/>
+          </a:p>
+        </p:txBody>
+      </p:sp>
+      <p:graphicFrame>
+        <p:nvGraphicFramePr>
+          <p:cNvPr id="3" name="Table 2"/>
+          <p:cNvGraphicFramePr>
+            <a:graphicFrameLocks noGrp="1"/>
+          </p:cNvGraphicFramePr>
+          <p:nvPr>
+            <p:extLst>
+              <p:ext uri="{D42A27DB-BD31-4B8C-83A1-F6EECF244321}">
+                <p14:modId xmlns:p14="http://schemas.microsoft.com/office/powerpoint/2010/main" val="2894201842"/>
+              </p:ext>
+            </p:extLst>
+          </p:nvPr>
+        </p:nvGraphicFramePr>
+        <p:xfrm>
+          <a:off x="1524000" y="1397000"/>
+          <a:ext cx="6096000" cy="2667000"/>
+        </p:xfrm>
+        <a:graphic>
+          <a:graphicData uri="http://schemas.openxmlformats.org/drawingml/2006/table">
+            <a:tbl>
+              <a:tblPr firstRow="1" bandRow="1">
+                <a:tableStyleId>{5C22544A-7EE6-4342-B048-85BDC9FD1C3A}</a:tableStyleId>
+              </a:tblPr>
+              <a:tblGrid>
+                <a:gridCol w="3048000"/>
+                <a:gridCol w="3048000"/>
+              </a:tblGrid>
+              <a:tr h="370840">
+                <a:tc gridSpan="2">
+                  <a:txBody>
+                    <a:bodyPr/>
+                    <a:lstStyle/>
+                    <a:p>
+                      <a:r>
+                        <a:rPr lang="en-US" dirty="0" smtClean="0"/>
+                        <a:t>Precondition: User is at Home Section</a:t>
+                      </a:r>
+                      <a:endParaRPr lang="en-US" dirty="0"/>
+                    </a:p>
+                  </a:txBody>
+                  <a:tcPr/>
+                </a:tc>
+                <a:tc hMerge="1">
+                  <a:txBody>
+                    <a:bodyPr/>
+                    <a:lstStyle/>
+                    <a:p>
+                      <a:endParaRPr lang="en-US" dirty="0"/>
+                    </a:p>
+                  </a:txBody>
+                  <a:tcPr/>
+                </a:tc>
+              </a:tr>
+              <a:tr h="370840">
+                <a:tc>
+                  <a:txBody>
+                    <a:bodyPr/>
+                    <a:lstStyle/>
+                    <a:p>
+                      <a:r>
+                        <a:rPr lang="en-US" dirty="0" smtClean="0"/>
+                        <a:t>Actor: User</a:t>
+                      </a:r>
+                      <a:endParaRPr lang="en-US" dirty="0"/>
+                    </a:p>
+                  </a:txBody>
+                  <a:tcPr/>
+                </a:tc>
+                <a:tc>
+                  <a:txBody>
+                    <a:bodyPr/>
+                    <a:lstStyle/>
+                    <a:p>
+                      <a:r>
+                        <a:rPr lang="en-US" dirty="0" smtClean="0"/>
+                        <a:t>System: Market</a:t>
+                      </a:r>
+                      <a:endParaRPr lang="en-US" dirty="0"/>
+                    </a:p>
+                  </a:txBody>
+                  <a:tcPr/>
+                </a:tc>
+              </a:tr>
+              <a:tr h="370840">
+                <a:tc>
+                  <a:txBody>
+                    <a:bodyPr/>
+                    <a:lstStyle/>
+                    <a:p>
+                      <a:endParaRPr lang="en-US" dirty="0"/>
+                    </a:p>
+                  </a:txBody>
+                  <a:tcPr/>
+                </a:tc>
+                <a:tc>
+                  <a:txBody>
+                    <a:bodyPr/>
+                    <a:lstStyle/>
+                    <a:p>
+                      <a:r>
+                        <a:rPr lang="en-US" dirty="0" smtClean="0"/>
+                        <a:t>(0)Market displays</a:t>
+                      </a:r>
+                      <a:r>
+                        <a:rPr lang="en-US" baseline="0" dirty="0" smtClean="0"/>
+                        <a:t> </a:t>
+                      </a:r>
+                      <a:r>
+                        <a:rPr lang="en-US" baseline="0" dirty="0" err="1" smtClean="0"/>
+                        <a:t>homescreen</a:t>
+                      </a:r>
+                      <a:r>
+                        <a:rPr lang="en-US" baseline="0" dirty="0" smtClean="0"/>
+                        <a:t> </a:t>
+                      </a:r>
+                      <a:r>
+                        <a:rPr lang="en-US" baseline="0" dirty="0" err="1" smtClean="0"/>
+                        <a:t>gui</a:t>
+                      </a:r>
+                      <a:endParaRPr lang="en-US" dirty="0"/>
+                    </a:p>
+                  </a:txBody>
+                  <a:tcPr/>
+                </a:tc>
+              </a:tr>
+              <a:tr h="370840">
+                <a:tc>
+                  <a:txBody>
+                    <a:bodyPr/>
+                    <a:lstStyle/>
+                    <a:p>
+                      <a:r>
+                        <a:rPr lang="en-US" dirty="0" smtClean="0"/>
+                        <a:t>(1)TUCBW User clicks Sell&gt;Buy icon</a:t>
+                      </a:r>
+                      <a:endParaRPr lang="en-US" dirty="0"/>
+                    </a:p>
+                  </a:txBody>
+                  <a:tcPr/>
+                </a:tc>
+                <a:tc>
+                  <a:txBody>
+                    <a:bodyPr/>
+                    <a:lstStyle/>
+                    <a:p>
+                      <a:r>
+                        <a:rPr lang="en-US" dirty="0" smtClean="0"/>
+                        <a:t>(2) Market searches</a:t>
+                      </a:r>
+                      <a:r>
+                        <a:rPr lang="en-US" baseline="0" dirty="0" smtClean="0"/>
+                        <a:t> and displays up to 10 items that higher sell price than buy price</a:t>
+                      </a:r>
+                      <a:endParaRPr lang="en-US" dirty="0"/>
+                    </a:p>
+                  </a:txBody>
+                  <a:tcPr/>
+                </a:tc>
+              </a:tr>
+              <a:tr h="370840">
+                <a:tc>
+                  <a:txBody>
+                    <a:bodyPr/>
+                    <a:lstStyle/>
+                    <a:p>
+                      <a:r>
+                        <a:rPr lang="en-US" dirty="0" smtClean="0"/>
+                        <a:t>(3) TUCEW User see list</a:t>
+                      </a:r>
+                      <a:endParaRPr lang="en-US" dirty="0"/>
+                    </a:p>
+                  </a:txBody>
+                  <a:tcPr/>
+                </a:tc>
+                <a:tc>
+                  <a:txBody>
+                    <a:bodyPr/>
+                    <a:lstStyle/>
+                    <a:p>
+                      <a:endParaRPr lang="en-US" dirty="0"/>
+                    </a:p>
+                  </a:txBody>
+                  <a:tcPr/>
+                </a:tc>
+              </a:tr>
+            </a:tbl>
+          </a:graphicData>
+        </a:graphic>
+      </p:graphicFrame>
+    </p:spTree>
+    <p:extLst>
+      <p:ext uri="{BB962C8B-B14F-4D97-AF65-F5344CB8AC3E}">
+        <p14:creationId xmlns:p14="http://schemas.microsoft.com/office/powerpoint/2010/main" val="2755349688"/>
+      </p:ext>
+    </p:extLst>
+  </p:cSld>
+  <p:clrMapOvr>
+    <a:masterClrMapping/>
+  </p:clrMapOvr>
+</p:sld>
+</file>
+
+<file path=ppt/slides/slide4.xml><?xml version="1.0" encoding="utf-8"?>
+<p:sld xmlns:a="http://schemas.openxmlformats.org/drawingml/2006/main" xmlns:r="http://schemas.openxmlformats.org/officeDocument/2006/relationships" xmlns:p="http://schemas.openxmlformats.org/presentationml/2006/main">
+  <p:cSld>
+    <p:spTree>
+      <p:nvGrpSpPr>
+        <p:cNvPr id="1" name=""/>
+        <p:cNvGrpSpPr/>
+        <p:nvPr/>
+      </p:nvGrpSpPr>
+      <p:grpSpPr>
+        <a:xfrm>
+          <a:off x="0" y="0"/>
+          <a:ext cx="0" cy="0"/>
+          <a:chOff x="0" y="0"/>
+          <a:chExt cx="0" cy="0"/>
+        </a:xfrm>
+      </p:grpSpPr>
+      <p:sp>
+        <p:nvSpPr>
+          <p:cNvPr id="2" name="Title 1"/>
+          <p:cNvSpPr>
+            <a:spLocks noGrp="1"/>
+          </p:cNvSpPr>
+          <p:nvPr>
+            <p:ph type="title"/>
+          </p:nvPr>
+        </p:nvSpPr>
+        <p:spPr/>
+        <p:txBody>
+          <a:bodyPr>
+            <a:normAutofit fontScale="90000"/>
+          </a:bodyPr>
+          <a:lstStyle/>
+          <a:p>
+            <a:r>
+              <a:rPr lang="en-US" dirty="0" smtClean="0"/>
+              <a:t>Expanded Use Case: Top 10 increase in price</a:t>
+            </a:r>
+            <a:endParaRPr lang="en-US" dirty="0"/>
+          </a:p>
+        </p:txBody>
+      </p:sp>
+      <p:graphicFrame>
+        <p:nvGraphicFramePr>
+          <p:cNvPr id="3" name="Table 2"/>
+          <p:cNvGraphicFramePr>
+            <a:graphicFrameLocks noGrp="1"/>
+          </p:cNvGraphicFramePr>
+          <p:nvPr>
+            <p:extLst>
+              <p:ext uri="{D42A27DB-BD31-4B8C-83A1-F6EECF244321}">
+                <p14:modId xmlns:p14="http://schemas.microsoft.com/office/powerpoint/2010/main" val="2600850893"/>
+              </p:ext>
+            </p:extLst>
+          </p:nvPr>
+        </p:nvGraphicFramePr>
+        <p:xfrm>
+          <a:off x="1524000" y="1397000"/>
+          <a:ext cx="6096000" cy="2941320"/>
+        </p:xfrm>
+        <a:graphic>
+          <a:graphicData uri="http://schemas.openxmlformats.org/drawingml/2006/table">
+            <a:tbl>
+              <a:tblPr firstRow="1" bandRow="1">
+                <a:tableStyleId>{5C22544A-7EE6-4342-B048-85BDC9FD1C3A}</a:tableStyleId>
+              </a:tblPr>
+              <a:tblGrid>
+                <a:gridCol w="3048000"/>
+                <a:gridCol w="3048000"/>
+              </a:tblGrid>
+              <a:tr h="370840">
+                <a:tc gridSpan="2">
+                  <a:txBody>
+                    <a:bodyPr/>
+                    <a:lstStyle/>
+                    <a:p>
+                      <a:r>
+                        <a:rPr lang="en-US" dirty="0" smtClean="0"/>
+                        <a:t>Precondition: User is at Home Section</a:t>
+                      </a:r>
+                      <a:endParaRPr lang="en-US" dirty="0"/>
+                    </a:p>
+                  </a:txBody>
+                  <a:tcPr/>
+                </a:tc>
+                <a:tc hMerge="1">
+                  <a:txBody>
+                    <a:bodyPr/>
+                    <a:lstStyle/>
+                    <a:p>
+                      <a:endParaRPr lang="en-US" dirty="0"/>
+                    </a:p>
+                  </a:txBody>
+                  <a:tcPr/>
+                </a:tc>
+              </a:tr>
+              <a:tr h="370840">
+                <a:tc>
+                  <a:txBody>
+                    <a:bodyPr/>
+                    <a:lstStyle/>
+                    <a:p>
+                      <a:r>
+                        <a:rPr lang="en-US" dirty="0" smtClean="0"/>
+                        <a:t>Actor: User</a:t>
+                      </a:r>
+                      <a:endParaRPr lang="en-US" dirty="0"/>
+                    </a:p>
+                  </a:txBody>
+                  <a:tcPr/>
+                </a:tc>
+                <a:tc>
+                  <a:txBody>
+                    <a:bodyPr/>
+                    <a:lstStyle/>
+                    <a:p>
+                      <a:r>
+                        <a:rPr lang="en-US" dirty="0" smtClean="0"/>
+                        <a:t>System: Market</a:t>
+                      </a:r>
+                      <a:endParaRPr lang="en-US" dirty="0"/>
+                    </a:p>
+                  </a:txBody>
+                  <a:tcPr/>
+                </a:tc>
+              </a:tr>
+              <a:tr h="370840">
+                <a:tc>
+                  <a:txBody>
+                    <a:bodyPr/>
+                    <a:lstStyle/>
+                    <a:p>
+                      <a:endParaRPr lang="en-US" dirty="0"/>
+                    </a:p>
+                  </a:txBody>
+                  <a:tcPr/>
+                </a:tc>
+                <a:tc>
+                  <a:txBody>
+                    <a:bodyPr/>
+                    <a:lstStyle/>
+                    <a:p>
+                      <a:r>
+                        <a:rPr lang="en-US" dirty="0" smtClean="0"/>
+                        <a:t>(0)Market displays</a:t>
+                      </a:r>
+                      <a:r>
+                        <a:rPr lang="en-US" baseline="0" dirty="0" smtClean="0"/>
+                        <a:t> </a:t>
+                      </a:r>
+                      <a:r>
+                        <a:rPr lang="en-US" baseline="0" dirty="0" err="1" smtClean="0"/>
+                        <a:t>homescreen</a:t>
+                      </a:r>
+                      <a:r>
+                        <a:rPr lang="en-US" baseline="0" dirty="0" smtClean="0"/>
+                        <a:t> </a:t>
+                      </a:r>
+                      <a:r>
+                        <a:rPr lang="en-US" baseline="0" dirty="0" err="1" smtClean="0"/>
+                        <a:t>gui</a:t>
+                      </a:r>
+                      <a:endParaRPr lang="en-US" dirty="0"/>
+                    </a:p>
+                  </a:txBody>
+                  <a:tcPr/>
+                </a:tc>
+              </a:tr>
+              <a:tr h="370840">
+                <a:tc>
+                  <a:txBody>
+                    <a:bodyPr/>
+                    <a:lstStyle/>
+                    <a:p>
+                      <a:r>
+                        <a:rPr lang="en-US" dirty="0" smtClean="0"/>
+                        <a:t>(1)TUCBW User clicks top 10 highest gain</a:t>
+                      </a:r>
+                      <a:endParaRPr lang="en-US" dirty="0"/>
+                    </a:p>
+                  </a:txBody>
+                  <a:tcPr/>
+                </a:tc>
+                <a:tc>
+                  <a:txBody>
+                    <a:bodyPr/>
+                    <a:lstStyle/>
+                    <a:p>
+                      <a:r>
+                        <a:rPr lang="en-US" dirty="0" smtClean="0"/>
+                        <a:t>(2) Market searches</a:t>
+                      </a:r>
+                      <a:r>
+                        <a:rPr lang="en-US" baseline="0" dirty="0" smtClean="0"/>
+                        <a:t> and displays up to 10 items that have the highest increase in price since last hour.</a:t>
+                      </a:r>
+                      <a:endParaRPr lang="en-US" dirty="0"/>
+                    </a:p>
+                  </a:txBody>
+                  <a:tcPr/>
+                </a:tc>
+              </a:tr>
+              <a:tr h="370840">
+                <a:tc>
+                  <a:txBody>
+                    <a:bodyPr/>
+                    <a:lstStyle/>
+                    <a:p>
+                      <a:r>
+                        <a:rPr lang="en-US" dirty="0" smtClean="0"/>
+                        <a:t>(3) TUCEW User see list</a:t>
+                      </a:r>
+                      <a:endParaRPr lang="en-US" dirty="0"/>
+                    </a:p>
+                  </a:txBody>
+                  <a:tcPr/>
+                </a:tc>
+                <a:tc>
+                  <a:txBody>
+                    <a:bodyPr/>
+                    <a:lstStyle/>
+                    <a:p>
+                      <a:endParaRPr lang="en-US" dirty="0"/>
+                    </a:p>
+                  </a:txBody>
+                  <a:tcPr/>
+                </a:tc>
+              </a:tr>
+            </a:tbl>
+          </a:graphicData>
+        </a:graphic>
+      </p:graphicFrame>
+    </p:spTree>
+    <p:extLst>
+      <p:ext uri="{BB962C8B-B14F-4D97-AF65-F5344CB8AC3E}">
+        <p14:creationId xmlns:p14="http://schemas.microsoft.com/office/powerpoint/2010/main" val="1104792947"/>
+      </p:ext>
+    </p:extLst>
+  </p:cSld>
+  <p:clrMapOvr>
+    <a:masterClrMapping/>
+  </p:clrMapOvr>
+</p:sld>
+</file>
+
+<file path=ppt/slides/slide5.xml><?xml version="1.0" encoding="utf-8"?>
+<p:sld xmlns:a="http://schemas.openxmlformats.org/drawingml/2006/main" xmlns:r="http://schemas.openxmlformats.org/officeDocument/2006/relationships" xmlns:p="http://schemas.openxmlformats.org/presentationml/2006/main">
+  <p:cSld>
+    <p:spTree>
+      <p:nvGrpSpPr>
+        <p:cNvPr id="1" name=""/>
+        <p:cNvGrpSpPr/>
+        <p:nvPr/>
+      </p:nvGrpSpPr>
+      <p:grpSpPr>
+        <a:xfrm>
+          <a:off x="0" y="0"/>
+          <a:ext cx="0" cy="0"/>
+          <a:chOff x="0" y="0"/>
+          <a:chExt cx="0" cy="0"/>
+        </a:xfrm>
+      </p:grpSpPr>
+      <p:sp>
+        <p:nvSpPr>
+          <p:cNvPr id="2" name="Title 1"/>
+          <p:cNvSpPr>
+            <a:spLocks noGrp="1"/>
+          </p:cNvSpPr>
+          <p:nvPr>
+            <p:ph type="title"/>
+          </p:nvPr>
+        </p:nvSpPr>
+        <p:spPr/>
+        <p:txBody>
+          <a:bodyPr>
+            <a:normAutofit fontScale="90000"/>
+          </a:bodyPr>
+          <a:lstStyle/>
+          <a:p>
+            <a:r>
+              <a:rPr lang="en-US" dirty="0" smtClean="0"/>
+              <a:t>Expanded Use Case: Top 10 decrease in price</a:t>
+            </a:r>
+            <a:endParaRPr lang="en-US" dirty="0"/>
+          </a:p>
+        </p:txBody>
+      </p:sp>
+      <p:graphicFrame>
+        <p:nvGraphicFramePr>
+          <p:cNvPr id="3" name="Table 2"/>
+          <p:cNvGraphicFramePr>
+            <a:graphicFrameLocks noGrp="1"/>
+          </p:cNvGraphicFramePr>
+          <p:nvPr>
+            <p:extLst>
+              <p:ext uri="{D42A27DB-BD31-4B8C-83A1-F6EECF244321}">
+                <p14:modId xmlns:p14="http://schemas.microsoft.com/office/powerpoint/2010/main" val="2572701147"/>
+              </p:ext>
+            </p:extLst>
+          </p:nvPr>
+        </p:nvGraphicFramePr>
+        <p:xfrm>
+          <a:off x="1524000" y="1397000"/>
+          <a:ext cx="6096000" cy="2941320"/>
+        </p:xfrm>
+        <a:graphic>
+          <a:graphicData uri="http://schemas.openxmlformats.org/drawingml/2006/table">
+            <a:tbl>
+              <a:tblPr firstRow="1" bandRow="1">
+                <a:tableStyleId>{5C22544A-7EE6-4342-B048-85BDC9FD1C3A}</a:tableStyleId>
+              </a:tblPr>
+              <a:tblGrid>
+                <a:gridCol w="3048000"/>
+                <a:gridCol w="3048000"/>
+              </a:tblGrid>
+              <a:tr h="370840">
+                <a:tc gridSpan="2">
+                  <a:txBody>
+                    <a:bodyPr/>
+                    <a:lstStyle/>
+                    <a:p>
+                      <a:r>
+                        <a:rPr lang="en-US" dirty="0" smtClean="0"/>
+                        <a:t>Precondition: User is at Home Section</a:t>
+                      </a:r>
+                      <a:endParaRPr lang="en-US" dirty="0"/>
+                    </a:p>
+                  </a:txBody>
+                  <a:tcPr/>
+                </a:tc>
+                <a:tc hMerge="1">
+                  <a:txBody>
+                    <a:bodyPr/>
+                    <a:lstStyle/>
+                    <a:p>
+                      <a:endParaRPr lang="en-US" dirty="0"/>
+                    </a:p>
+                  </a:txBody>
+                  <a:tcPr/>
+                </a:tc>
+              </a:tr>
+              <a:tr h="370840">
+                <a:tc>
+                  <a:txBody>
+                    <a:bodyPr/>
+                    <a:lstStyle/>
+                    <a:p>
+                      <a:r>
+                        <a:rPr lang="en-US" dirty="0" smtClean="0"/>
+                        <a:t>Actor: User</a:t>
+                      </a:r>
+                      <a:endParaRPr lang="en-US" dirty="0"/>
+                    </a:p>
+                  </a:txBody>
+                  <a:tcPr/>
+                </a:tc>
+                <a:tc>
+                  <a:txBody>
+                    <a:bodyPr/>
+                    <a:lstStyle/>
+                    <a:p>
+                      <a:r>
+                        <a:rPr lang="en-US" dirty="0" smtClean="0"/>
+                        <a:t>System: Market</a:t>
+                      </a:r>
+                      <a:endParaRPr lang="en-US" dirty="0"/>
+                    </a:p>
+                  </a:txBody>
+                  <a:tcPr/>
+                </a:tc>
+              </a:tr>
+              <a:tr h="370840">
+                <a:tc>
+                  <a:txBody>
+                    <a:bodyPr/>
+                    <a:lstStyle/>
+                    <a:p>
+                      <a:endParaRPr lang="en-US" dirty="0"/>
+                    </a:p>
+                  </a:txBody>
+                  <a:tcPr/>
+                </a:tc>
+                <a:tc>
+                  <a:txBody>
+                    <a:bodyPr/>
+                    <a:lstStyle/>
+                    <a:p>
+                      <a:r>
+                        <a:rPr lang="en-US" dirty="0" smtClean="0"/>
+                        <a:t>(0)Market displays</a:t>
+                      </a:r>
+                      <a:r>
+                        <a:rPr lang="en-US" baseline="0" dirty="0" smtClean="0"/>
+                        <a:t> </a:t>
+                      </a:r>
+                      <a:r>
+                        <a:rPr lang="en-US" baseline="0" dirty="0" err="1" smtClean="0"/>
+                        <a:t>homescreen</a:t>
+                      </a:r>
+                      <a:r>
+                        <a:rPr lang="en-US" baseline="0" dirty="0" smtClean="0"/>
+                        <a:t> </a:t>
+                      </a:r>
+                      <a:r>
+                        <a:rPr lang="en-US" baseline="0" dirty="0" err="1" smtClean="0"/>
+                        <a:t>gui</a:t>
+                      </a:r>
+                      <a:endParaRPr lang="en-US" dirty="0"/>
+                    </a:p>
+                  </a:txBody>
+                  <a:tcPr/>
+                </a:tc>
+              </a:tr>
+              <a:tr h="370840">
+                <a:tc>
+                  <a:txBody>
+                    <a:bodyPr/>
+                    <a:lstStyle/>
+                    <a:p>
+                      <a:r>
+                        <a:rPr lang="en-US" dirty="0" smtClean="0"/>
+                        <a:t>(1)TUCBW User clicks top 10 decrease.</a:t>
+                      </a:r>
+                      <a:endParaRPr lang="en-US" dirty="0"/>
+                    </a:p>
+                  </a:txBody>
+                  <a:tcPr/>
+                </a:tc>
+                <a:tc>
+                  <a:txBody>
+                    <a:bodyPr/>
+                    <a:lstStyle/>
+                    <a:p>
+                      <a:r>
+                        <a:rPr lang="en-US" dirty="0" smtClean="0"/>
+                        <a:t>(2) Market searches</a:t>
+                      </a:r>
+                      <a:r>
+                        <a:rPr lang="en-US" baseline="0" dirty="0" smtClean="0"/>
+                        <a:t> and displays up to 10 items that have the highest decrease in price since last hour.</a:t>
+                      </a:r>
+                      <a:endParaRPr lang="en-US" dirty="0"/>
+                    </a:p>
+                  </a:txBody>
+                  <a:tcPr/>
+                </a:tc>
+              </a:tr>
+              <a:tr h="370840">
+                <a:tc>
+                  <a:txBody>
+                    <a:bodyPr/>
+                    <a:lstStyle/>
+                    <a:p>
+                      <a:r>
+                        <a:rPr lang="en-US" dirty="0" smtClean="0"/>
+                        <a:t>(3) TUCEW User see list</a:t>
+                      </a:r>
+                      <a:endParaRPr lang="en-US" dirty="0"/>
+                    </a:p>
+                  </a:txBody>
+                  <a:tcPr/>
+                </a:tc>
+                <a:tc>
+                  <a:txBody>
+                    <a:bodyPr/>
+                    <a:lstStyle/>
+                    <a:p>
+                      <a:endParaRPr lang="en-US" dirty="0"/>
+                    </a:p>
+                  </a:txBody>
+                  <a:tcPr/>
+                </a:tc>
+              </a:tr>
+            </a:tbl>
+          </a:graphicData>
+        </a:graphic>
+      </p:graphicFrame>
+    </p:spTree>
+    <p:extLst>
+      <p:ext uri="{BB962C8B-B14F-4D97-AF65-F5344CB8AC3E}">
+        <p14:creationId xmlns:p14="http://schemas.microsoft.com/office/powerpoint/2010/main" val="1104792947"/>
+      </p:ext>
+    </p:extLst>
+  </p:cSld>
+  <p:clrMapOvr>
+    <a:masterClrMapping/>
+  </p:clrMapOvr>
+</p:sld>
+</file>
+
+<file path=ppt/slides/slide6.xml><?xml version="1.0" encoding="utf-8"?>
+<p:sld xmlns:a="http://schemas.openxmlformats.org/drawingml/2006/main" xmlns:r="http://schemas.openxmlformats.org/officeDocument/2006/relationships" xmlns:p="http://schemas.openxmlformats.org/presentationml/2006/main">
+  <p:cSld>
+    <p:spTree>
+      <p:nvGrpSpPr>
+        <p:cNvPr id="1" name=""/>
+        <p:cNvGrpSpPr/>
+        <p:nvPr/>
+      </p:nvGrpSpPr>
+      <p:grpSpPr>
+        <a:xfrm>
+          <a:off x="0" y="0"/>
+          <a:ext cx="0" cy="0"/>
+          <a:chOff x="0" y="0"/>
+          <a:chExt cx="0" cy="0"/>
+        </a:xfrm>
+      </p:grpSpPr>
+      <p:sp>
+        <p:nvSpPr>
+          <p:cNvPr id="2" name="Title 1"/>
+          <p:cNvSpPr>
+            <a:spLocks noGrp="1"/>
+          </p:cNvSpPr>
+          <p:nvPr>
+            <p:ph type="title"/>
+          </p:nvPr>
+        </p:nvSpPr>
+        <p:spPr/>
+        <p:txBody>
+          <a:bodyPr>
+            <a:normAutofit fontScale="90000"/>
+          </a:bodyPr>
+          <a:lstStyle/>
+          <a:p>
+            <a:r>
+              <a:rPr lang="en-US" dirty="0" smtClean="0"/>
+              <a:t>Expanded Use Case: Top 10 most sold</a:t>
+            </a:r>
+            <a:endParaRPr lang="en-US" dirty="0"/>
+          </a:p>
+        </p:txBody>
+      </p:sp>
+      <p:graphicFrame>
+        <p:nvGraphicFramePr>
+          <p:cNvPr id="3" name="Table 2"/>
+          <p:cNvGraphicFramePr>
+            <a:graphicFrameLocks noGrp="1"/>
+          </p:cNvGraphicFramePr>
+          <p:nvPr>
+            <p:extLst>
+              <p:ext uri="{D42A27DB-BD31-4B8C-83A1-F6EECF244321}">
+                <p14:modId xmlns:p14="http://schemas.microsoft.com/office/powerpoint/2010/main" val="896785164"/>
+              </p:ext>
+            </p:extLst>
+          </p:nvPr>
+        </p:nvGraphicFramePr>
+        <p:xfrm>
+          <a:off x="1524000" y="1397000"/>
+          <a:ext cx="6096000" cy="2941320"/>
+        </p:xfrm>
+        <a:graphic>
+          <a:graphicData uri="http://schemas.openxmlformats.org/drawingml/2006/table">
+            <a:tbl>
+              <a:tblPr firstRow="1" bandRow="1">
+                <a:tableStyleId>{5C22544A-7EE6-4342-B048-85BDC9FD1C3A}</a:tableStyleId>
+              </a:tblPr>
+              <a:tblGrid>
+                <a:gridCol w="3048000"/>
+                <a:gridCol w="3048000"/>
+              </a:tblGrid>
+              <a:tr h="370840">
+                <a:tc gridSpan="2">
+                  <a:txBody>
+                    <a:bodyPr/>
+                    <a:lstStyle/>
+                    <a:p>
+                      <a:r>
+                        <a:rPr lang="en-US" dirty="0" smtClean="0"/>
+                        <a:t>Precondition: User is at Home Section</a:t>
+                      </a:r>
+                      <a:endParaRPr lang="en-US" dirty="0"/>
+                    </a:p>
+                  </a:txBody>
+                  <a:tcPr/>
+                </a:tc>
+                <a:tc hMerge="1">
+                  <a:txBody>
+                    <a:bodyPr/>
+                    <a:lstStyle/>
+                    <a:p>
+                      <a:endParaRPr lang="en-US" dirty="0"/>
+                    </a:p>
+                  </a:txBody>
+                  <a:tcPr/>
+                </a:tc>
+              </a:tr>
+              <a:tr h="370840">
+                <a:tc>
+                  <a:txBody>
+                    <a:bodyPr/>
+                    <a:lstStyle/>
+                    <a:p>
+                      <a:r>
+                        <a:rPr lang="en-US" dirty="0" smtClean="0"/>
+                        <a:t>Actor: User</a:t>
+                      </a:r>
+                      <a:endParaRPr lang="en-US" dirty="0"/>
+                    </a:p>
+                  </a:txBody>
+                  <a:tcPr/>
+                </a:tc>
+                <a:tc>
+                  <a:txBody>
+                    <a:bodyPr/>
+                    <a:lstStyle/>
+                    <a:p>
+                      <a:r>
+                        <a:rPr lang="en-US" dirty="0" smtClean="0"/>
+                        <a:t>System: Market</a:t>
+                      </a:r>
+                      <a:endParaRPr lang="en-US" dirty="0"/>
+                    </a:p>
+                  </a:txBody>
+                  <a:tcPr/>
+                </a:tc>
+              </a:tr>
+              <a:tr h="370840">
+                <a:tc>
+                  <a:txBody>
+                    <a:bodyPr/>
+                    <a:lstStyle/>
+                    <a:p>
+                      <a:endParaRPr lang="en-US" dirty="0"/>
+                    </a:p>
+                  </a:txBody>
+                  <a:tcPr/>
+                </a:tc>
+                <a:tc>
+                  <a:txBody>
+                    <a:bodyPr/>
+                    <a:lstStyle/>
+                    <a:p>
+                      <a:r>
+                        <a:rPr lang="en-US" dirty="0" smtClean="0"/>
+                        <a:t>(0)Market displays</a:t>
+                      </a:r>
+                      <a:r>
+                        <a:rPr lang="en-US" baseline="0" dirty="0" smtClean="0"/>
+                        <a:t> </a:t>
+                      </a:r>
+                      <a:r>
+                        <a:rPr lang="en-US" baseline="0" dirty="0" err="1" smtClean="0"/>
+                        <a:t>homescreen</a:t>
+                      </a:r>
+                      <a:r>
+                        <a:rPr lang="en-US" baseline="0" dirty="0" smtClean="0"/>
+                        <a:t> </a:t>
+                      </a:r>
+                      <a:r>
+                        <a:rPr lang="en-US" baseline="0" dirty="0" err="1" smtClean="0"/>
+                        <a:t>gui</a:t>
+                      </a:r>
+                      <a:endParaRPr lang="en-US" dirty="0"/>
+                    </a:p>
+                  </a:txBody>
+                  <a:tcPr/>
+                </a:tc>
+              </a:tr>
+              <a:tr h="370840">
+                <a:tc>
+                  <a:txBody>
+                    <a:bodyPr/>
+                    <a:lstStyle/>
+                    <a:p>
+                      <a:r>
+                        <a:rPr lang="en-US" dirty="0" smtClean="0"/>
+                        <a:t>(1)TUCBW User clicks top 10 most sold.</a:t>
+                      </a:r>
+                      <a:endParaRPr lang="en-US" dirty="0"/>
+                    </a:p>
+                  </a:txBody>
+                  <a:tcPr/>
+                </a:tc>
+                <a:tc>
+                  <a:txBody>
+                    <a:bodyPr/>
+                    <a:lstStyle/>
+                    <a:p>
+                      <a:r>
+                        <a:rPr lang="en-US" dirty="0" smtClean="0"/>
+                        <a:t>(2) Market searches</a:t>
+                      </a:r>
+                      <a:r>
+                        <a:rPr lang="en-US" baseline="0" dirty="0" smtClean="0"/>
+                        <a:t> and displays up to 10 items that are sold the most the past hour.</a:t>
+                      </a:r>
+                      <a:endParaRPr lang="en-US" dirty="0"/>
+                    </a:p>
+                  </a:txBody>
+                  <a:tcPr/>
+                </a:tc>
+              </a:tr>
+              <a:tr h="370840">
+                <a:tc>
+                  <a:txBody>
+                    <a:bodyPr/>
+                    <a:lstStyle/>
+                    <a:p>
+                      <a:r>
+                        <a:rPr lang="en-US" dirty="0" smtClean="0"/>
+                        <a:t>(3) TUCEW User see list</a:t>
+                      </a:r>
+                      <a:endParaRPr lang="en-US" dirty="0"/>
+                    </a:p>
+                  </a:txBody>
+                  <a:tcPr/>
+                </a:tc>
+                <a:tc>
+                  <a:txBody>
+                    <a:bodyPr/>
+                    <a:lstStyle/>
+                    <a:p>
+                      <a:endParaRPr lang="en-US" dirty="0"/>
+                    </a:p>
+                  </a:txBody>
+                  <a:tcPr/>
+                </a:tc>
+              </a:tr>
+            </a:tbl>
+          </a:graphicData>
+        </a:graphic>
+      </p:graphicFrame>
+    </p:spTree>
+    <p:extLst>
+      <p:ext uri="{BB962C8B-B14F-4D97-AF65-F5344CB8AC3E}">
+        <p14:creationId xmlns:p14="http://schemas.microsoft.com/office/powerpoint/2010/main" val="672552272"/>
+      </p:ext>
+    </p:extLst>
+  </p:cSld>
+  <p:clrMapOvr>
+    <a:masterClrMapping/>
+  </p:clrMapOvr>
+</p:sld>
+</file>
+
+<file path=ppt/slides/slide7.xml><?xml version="1.0" encoding="utf-8"?>
+<p:sld xmlns:a="http://schemas.openxmlformats.org/drawingml/2006/main" xmlns:r="http://schemas.openxmlformats.org/officeDocument/2006/relationships" xmlns:p="http://schemas.openxmlformats.org/presentationml/2006/main">
+  <p:cSld>
+    <p:spTree>
+      <p:nvGrpSpPr>
+        <p:cNvPr id="1" name=""/>
+        <p:cNvGrpSpPr/>
+        <p:nvPr/>
+      </p:nvGrpSpPr>
+      <p:grpSpPr>
+        <a:xfrm>
+          <a:off x="0" y="0"/>
+          <a:ext cx="0" cy="0"/>
+          <a:chOff x="0" y="0"/>
+          <a:chExt cx="0" cy="0"/>
+        </a:xfrm>
+      </p:grpSpPr>
+      <p:sp>
+        <p:nvSpPr>
+          <p:cNvPr id="2" name="Title 1"/>
+          <p:cNvSpPr>
+            <a:spLocks noGrp="1"/>
+          </p:cNvSpPr>
+          <p:nvPr>
+            <p:ph type="title"/>
+          </p:nvPr>
+        </p:nvSpPr>
+        <p:spPr/>
+        <p:txBody>
+          <a:bodyPr>
+            <a:normAutofit/>
+          </a:bodyPr>
+          <a:lstStyle/>
+          <a:p>
+            <a:r>
+              <a:rPr lang="en-US" dirty="0" smtClean="0"/>
+              <a:t>Expanded Use Case: Search</a:t>
+            </a:r>
+            <a:endParaRPr lang="en-US" dirty="0"/>
+          </a:p>
+        </p:txBody>
+      </p:sp>
+      <p:graphicFrame>
+        <p:nvGraphicFramePr>
+          <p:cNvPr id="3" name="Table 2"/>
+          <p:cNvGraphicFramePr>
+            <a:graphicFrameLocks noGrp="1"/>
+          </p:cNvGraphicFramePr>
+          <p:nvPr>
+            <p:extLst>
+              <p:ext uri="{D42A27DB-BD31-4B8C-83A1-F6EECF244321}">
+                <p14:modId xmlns:p14="http://schemas.microsoft.com/office/powerpoint/2010/main" val="3566621359"/>
+              </p:ext>
+            </p:extLst>
+          </p:nvPr>
+        </p:nvGraphicFramePr>
+        <p:xfrm>
+          <a:off x="1524000" y="1397000"/>
+          <a:ext cx="6096000" cy="3037840"/>
+        </p:xfrm>
+        <a:graphic>
+          <a:graphicData uri="http://schemas.openxmlformats.org/drawingml/2006/table">
+            <a:tbl>
+              <a:tblPr firstRow="1" bandRow="1">
+                <a:tableStyleId>{5C22544A-7EE6-4342-B048-85BDC9FD1C3A}</a:tableStyleId>
+              </a:tblPr>
+              <a:tblGrid>
+                <a:gridCol w="3048000"/>
+                <a:gridCol w="3048000"/>
+              </a:tblGrid>
+              <a:tr h="370840">
+                <a:tc gridSpan="2">
+                  <a:txBody>
+                    <a:bodyPr/>
+                    <a:lstStyle/>
+                    <a:p>
+                      <a:r>
+                        <a:rPr lang="en-US" dirty="0" smtClean="0"/>
+                        <a:t>Precondition: User is at Search Section</a:t>
+                      </a:r>
+                      <a:endParaRPr lang="en-US" dirty="0"/>
+                    </a:p>
+                  </a:txBody>
+                  <a:tcPr/>
+                </a:tc>
+                <a:tc hMerge="1">
+                  <a:txBody>
+                    <a:bodyPr/>
+                    <a:lstStyle/>
+                    <a:p>
+                      <a:endParaRPr lang="en-US" dirty="0"/>
+                    </a:p>
+                  </a:txBody>
+                  <a:tcPr/>
+                </a:tc>
+              </a:tr>
+              <a:tr h="370840">
+                <a:tc>
+                  <a:txBody>
+                    <a:bodyPr/>
+                    <a:lstStyle/>
+                    <a:p>
+                      <a:r>
+                        <a:rPr lang="en-US" dirty="0" smtClean="0"/>
+                        <a:t>Actor: User</a:t>
+                      </a:r>
+                      <a:endParaRPr lang="en-US" dirty="0"/>
+                    </a:p>
+                  </a:txBody>
+                  <a:tcPr/>
+                </a:tc>
+                <a:tc>
+                  <a:txBody>
+                    <a:bodyPr/>
+                    <a:lstStyle/>
+                    <a:p>
+                      <a:r>
+                        <a:rPr lang="en-US" dirty="0" smtClean="0"/>
+                        <a:t>System: Market</a:t>
+                      </a:r>
+                      <a:endParaRPr lang="en-US" dirty="0"/>
+                    </a:p>
+                  </a:txBody>
+                  <a:tcPr/>
+                </a:tc>
+              </a:tr>
+              <a:tr h="370840">
+                <a:tc>
+                  <a:txBody>
+                    <a:bodyPr/>
+                    <a:lstStyle/>
+                    <a:p>
+                      <a:endParaRPr lang="en-US" dirty="0"/>
+                    </a:p>
+                  </a:txBody>
+                  <a:tcPr/>
+                </a:tc>
+                <a:tc>
+                  <a:txBody>
+                    <a:bodyPr/>
+                    <a:lstStyle/>
+                    <a:p>
+                      <a:r>
+                        <a:rPr lang="en-US" dirty="0" smtClean="0"/>
+                        <a:t>(0)Market displays</a:t>
+                      </a:r>
+                      <a:r>
+                        <a:rPr lang="en-US" baseline="0" dirty="0" smtClean="0"/>
+                        <a:t> Search </a:t>
+                      </a:r>
+                      <a:r>
+                        <a:rPr lang="en-US" baseline="0" dirty="0" err="1" smtClean="0"/>
+                        <a:t>gui</a:t>
+                      </a:r>
+                      <a:endParaRPr lang="en-US" dirty="0"/>
+                    </a:p>
+                  </a:txBody>
+                  <a:tcPr/>
+                </a:tc>
+              </a:tr>
+              <a:tr h="370840">
+                <a:tc>
+                  <a:txBody>
+                    <a:bodyPr/>
+                    <a:lstStyle/>
+                    <a:p>
+                      <a:r>
+                        <a:rPr lang="en-US" dirty="0" smtClean="0"/>
+                        <a:t>(1)TUCBW User enters an item’s full</a:t>
+                      </a:r>
+                      <a:r>
+                        <a:rPr lang="en-US" baseline="0" dirty="0" smtClean="0"/>
+                        <a:t> or partial name into Search Bar then click Search.</a:t>
+                      </a:r>
+                      <a:endParaRPr lang="en-US" dirty="0"/>
+                    </a:p>
+                  </a:txBody>
+                  <a:tcPr/>
+                </a:tc>
+                <a:tc>
+                  <a:txBody>
+                    <a:bodyPr/>
+                    <a:lstStyle/>
+                    <a:p>
+                      <a:r>
+                        <a:rPr lang="en-US" dirty="0" smtClean="0"/>
+                        <a:t>(2) Market searches</a:t>
+                      </a:r>
+                      <a:r>
+                        <a:rPr lang="en-US" baseline="0" dirty="0" smtClean="0"/>
+                        <a:t> for items with full or partial match and lists them.</a:t>
+                      </a:r>
+                      <a:endParaRPr lang="en-US" dirty="0"/>
+                    </a:p>
+                  </a:txBody>
+                  <a:tcPr/>
+                </a:tc>
+              </a:tr>
+              <a:tr h="370840">
+                <a:tc>
+                  <a:txBody>
+                    <a:bodyPr/>
+                    <a:lstStyle/>
+                    <a:p>
+                      <a:r>
+                        <a:rPr lang="en-US" dirty="0" smtClean="0"/>
+                        <a:t>(3) Selects</a:t>
+                      </a:r>
+                      <a:r>
+                        <a:rPr lang="en-US" baseline="0" dirty="0" smtClean="0"/>
+                        <a:t> the item they wish to view.</a:t>
+                      </a:r>
+                      <a:endParaRPr lang="en-US" dirty="0"/>
+                    </a:p>
+                  </a:txBody>
+                  <a:tcPr/>
+                </a:tc>
+                <a:tc>
+                  <a:txBody>
+                    <a:bodyPr/>
+                    <a:lstStyle/>
+                    <a:p>
+                      <a:r>
+                        <a:rPr lang="en-US" dirty="0" smtClean="0"/>
+                        <a:t>(4)</a:t>
+                      </a:r>
+                      <a:r>
+                        <a:rPr lang="en-US" baseline="0" dirty="0" smtClean="0"/>
+                        <a:t> Market displays data about selected item.</a:t>
+                      </a:r>
+                      <a:endParaRPr lang="en-US" dirty="0"/>
+                    </a:p>
+                  </a:txBody>
+                  <a:tcPr/>
+                </a:tc>
+              </a:tr>
+              <a:tr h="370840">
+                <a:tc>
+                  <a:txBody>
+                    <a:bodyPr/>
+                    <a:lstStyle/>
+                    <a:p>
+                      <a:r>
+                        <a:rPr lang="en-US" dirty="0" smtClean="0"/>
+                        <a:t>(5)</a:t>
+                      </a:r>
+                      <a:r>
+                        <a:rPr lang="en-US" baseline="0" dirty="0" smtClean="0"/>
+                        <a:t> TUCEW User reads data.</a:t>
+                      </a:r>
+                      <a:endParaRPr lang="en-US" dirty="0"/>
+                    </a:p>
+                  </a:txBody>
+                  <a:tcPr/>
+                </a:tc>
+                <a:tc>
+                  <a:txBody>
+                    <a:bodyPr/>
+                    <a:lstStyle/>
+                    <a:p>
+                      <a:endParaRPr lang="en-US" dirty="0"/>
+                    </a:p>
+                  </a:txBody>
+                  <a:tcPr/>
+                </a:tc>
+              </a:tr>
+            </a:tbl>
+          </a:graphicData>
+        </a:graphic>
+      </p:graphicFrame>
+    </p:spTree>
+    <p:extLst>
+      <p:ext uri="{BB962C8B-B14F-4D97-AF65-F5344CB8AC3E}">
+        <p14:creationId xmlns:p14="http://schemas.microsoft.com/office/powerpoint/2010/main" val="1104792947"/>
+      </p:ext>
+    </p:extLst>
+  </p:cSld>
+  <p:clrMapOvr>
+    <a:masterClrMapping/>
+  </p:clrMapOvr>
+</p:sld>
+</file>
+
+<file path=ppt/slides/slide8.xml><?xml version="1.0" encoding="utf-8"?>
+<p:sld xmlns:a="http://schemas.openxmlformats.org/drawingml/2006/main" xmlns:r="http://schemas.openxmlformats.org/officeDocument/2006/relationships" xmlns:p="http://schemas.openxmlformats.org/presentationml/2006/main">
+  <p:cSld>
+    <p:spTree>
+      <p:nvGrpSpPr>
+        <p:cNvPr id="1" name=""/>
+        <p:cNvGrpSpPr/>
+        <p:nvPr/>
+      </p:nvGrpSpPr>
+      <p:grpSpPr>
+        <a:xfrm>
+          <a:off x="0" y="0"/>
+          <a:ext cx="0" cy="0"/>
+          <a:chOff x="0" y="0"/>
+          <a:chExt cx="0" cy="0"/>
+        </a:xfrm>
+      </p:grpSpPr>
+      <p:sp>
+        <p:nvSpPr>
+          <p:cNvPr id="2" name="Title 1"/>
+          <p:cNvSpPr>
+            <a:spLocks noGrp="1"/>
+          </p:cNvSpPr>
+          <p:nvPr>
+            <p:ph type="title"/>
+          </p:nvPr>
+        </p:nvSpPr>
+        <p:spPr/>
+        <p:txBody>
+          <a:bodyPr>
+            <a:normAutofit/>
+          </a:bodyPr>
+          <a:lstStyle/>
+          <a:p>
+            <a:r>
+              <a:rPr lang="en-US" dirty="0" smtClean="0"/>
+              <a:t>Expanded Use Case: Change Server</a:t>
+            </a:r>
+            <a:endParaRPr lang="en-US" dirty="0"/>
+          </a:p>
+        </p:txBody>
+      </p:sp>
+      <p:graphicFrame>
+        <p:nvGraphicFramePr>
+          <p:cNvPr id="3" name="Table 2"/>
+          <p:cNvGraphicFramePr>
+            <a:graphicFrameLocks noGrp="1"/>
+          </p:cNvGraphicFramePr>
+          <p:nvPr>
+            <p:extLst>
+              <p:ext uri="{D42A27DB-BD31-4B8C-83A1-F6EECF244321}">
+                <p14:modId xmlns:p14="http://schemas.microsoft.com/office/powerpoint/2010/main" val="3934849533"/>
+              </p:ext>
+            </p:extLst>
+          </p:nvPr>
+        </p:nvGraphicFramePr>
+        <p:xfrm>
+          <a:off x="1524000" y="1397000"/>
+          <a:ext cx="6096000" cy="3307080"/>
+        </p:xfrm>
+        <a:graphic>
+          <a:graphicData uri="http://schemas.openxmlformats.org/drawingml/2006/table">
+            <a:tbl>
+              <a:tblPr firstRow="1" bandRow="1">
+                <a:tableStyleId>{5C22544A-7EE6-4342-B048-85BDC9FD1C3A}</a:tableStyleId>
+              </a:tblPr>
+              <a:tblGrid>
+                <a:gridCol w="3048000"/>
+                <a:gridCol w="3048000"/>
+              </a:tblGrid>
+              <a:tr h="370840">
+                <a:tc gridSpan="2">
+                  <a:txBody>
+                    <a:bodyPr/>
+                    <a:lstStyle/>
+                    <a:p>
+                      <a:r>
+                        <a:rPr lang="en-US" dirty="0" smtClean="0"/>
+                        <a:t>Precondition: User is at any section</a:t>
+                      </a:r>
+                      <a:r>
+                        <a:rPr lang="en-US" baseline="0" dirty="0" smtClean="0"/>
+                        <a:t>.</a:t>
+                      </a:r>
+                      <a:endParaRPr lang="en-US" dirty="0"/>
+                    </a:p>
+                  </a:txBody>
+                  <a:tcPr/>
+                </a:tc>
+                <a:tc hMerge="1">
+                  <a:txBody>
+                    <a:bodyPr/>
+                    <a:lstStyle/>
+                    <a:p>
+                      <a:endParaRPr lang="en-US" dirty="0"/>
+                    </a:p>
+                  </a:txBody>
+                  <a:tcPr/>
+                </a:tc>
+              </a:tr>
+              <a:tr h="370840">
+                <a:tc>
+                  <a:txBody>
+                    <a:bodyPr/>
+                    <a:lstStyle/>
+                    <a:p>
+                      <a:r>
+                        <a:rPr lang="en-US" dirty="0" smtClean="0"/>
+                        <a:t>Actor: User</a:t>
+                      </a:r>
+                      <a:endParaRPr lang="en-US" dirty="0"/>
+                    </a:p>
+                  </a:txBody>
+                  <a:tcPr/>
+                </a:tc>
+                <a:tc>
+                  <a:txBody>
+                    <a:bodyPr/>
+                    <a:lstStyle/>
+                    <a:p>
+                      <a:r>
+                        <a:rPr lang="en-US" dirty="0" smtClean="0"/>
+                        <a:t>System: Market</a:t>
+                      </a:r>
+                      <a:endParaRPr lang="en-US" dirty="0"/>
+                    </a:p>
+                  </a:txBody>
+                  <a:tcPr/>
+                </a:tc>
+              </a:tr>
+              <a:tr h="370840">
+                <a:tc>
+                  <a:txBody>
+                    <a:bodyPr/>
+                    <a:lstStyle/>
+                    <a:p>
+                      <a:endParaRPr lang="en-US" dirty="0"/>
+                    </a:p>
+                  </a:txBody>
+                  <a:tcPr/>
+                </a:tc>
+                <a:tc>
+                  <a:txBody>
+                    <a:bodyPr/>
+                    <a:lstStyle/>
+                    <a:p>
+                      <a:r>
+                        <a:rPr lang="en-US" dirty="0" smtClean="0"/>
+                        <a:t>(0)Market displays</a:t>
+                      </a:r>
+                      <a:r>
+                        <a:rPr lang="en-US" baseline="0" dirty="0" smtClean="0"/>
+                        <a:t> section </a:t>
+                      </a:r>
+                      <a:r>
+                        <a:rPr lang="en-US" baseline="0" dirty="0" err="1" smtClean="0"/>
+                        <a:t>gui</a:t>
+                      </a:r>
+                      <a:endParaRPr lang="en-US" dirty="0"/>
+                    </a:p>
+                  </a:txBody>
+                  <a:tcPr/>
+                </a:tc>
+              </a:tr>
+              <a:tr h="370840">
+                <a:tc>
+                  <a:txBody>
+                    <a:bodyPr/>
+                    <a:lstStyle/>
+                    <a:p>
+                      <a:r>
+                        <a:rPr lang="en-US" dirty="0" smtClean="0"/>
+                        <a:t>(1)TUCBW User clicks change</a:t>
+                      </a:r>
+                      <a:r>
+                        <a:rPr lang="en-US" baseline="0" dirty="0" smtClean="0"/>
+                        <a:t> server icon</a:t>
+                      </a:r>
+                      <a:endParaRPr lang="en-US" dirty="0"/>
+                    </a:p>
+                  </a:txBody>
+                  <a:tcPr/>
+                </a:tc>
+                <a:tc>
+                  <a:txBody>
+                    <a:bodyPr/>
+                    <a:lstStyle/>
+                    <a:p>
+                      <a:r>
+                        <a:rPr lang="en-US" dirty="0" smtClean="0"/>
+                        <a:t>(2) Market displays server list.</a:t>
+                      </a:r>
+                      <a:endParaRPr lang="en-US" dirty="0"/>
+                    </a:p>
+                  </a:txBody>
+                  <a:tcPr/>
+                </a:tc>
+              </a:tr>
+              <a:tr h="370840">
+                <a:tc>
+                  <a:txBody>
+                    <a:bodyPr/>
+                    <a:lstStyle/>
+                    <a:p>
+                      <a:r>
+                        <a:rPr lang="en-US" dirty="0" smtClean="0"/>
+                        <a:t>(3) User selects desired server.</a:t>
+                      </a:r>
+                      <a:endParaRPr lang="en-US" dirty="0"/>
+                    </a:p>
+                  </a:txBody>
+                  <a:tcPr/>
+                </a:tc>
+                <a:tc>
+                  <a:txBody>
+                    <a:bodyPr/>
+                    <a:lstStyle/>
+                    <a:p>
+                      <a:r>
+                        <a:rPr lang="en-US" dirty="0" smtClean="0"/>
+                        <a:t>(4)</a:t>
+                      </a:r>
+                      <a:r>
+                        <a:rPr lang="en-US" baseline="0" dirty="0" smtClean="0"/>
+                        <a:t> Market load data from that server.</a:t>
+                      </a:r>
+                      <a:endParaRPr lang="en-US" dirty="0"/>
+                    </a:p>
+                  </a:txBody>
+                  <a:tcPr/>
+                </a:tc>
+              </a:tr>
+              <a:tr h="370840">
+                <a:tc>
+                  <a:txBody>
+                    <a:bodyPr/>
+                    <a:lstStyle/>
+                    <a:p>
+                      <a:r>
+                        <a:rPr lang="en-US" dirty="0" smtClean="0"/>
+                        <a:t>(5) TUCEW User returns to original section with new server data.</a:t>
+                      </a:r>
+                      <a:endParaRPr lang="en-US" dirty="0"/>
+                    </a:p>
+                  </a:txBody>
+                  <a:tcPr/>
+                </a:tc>
+                <a:tc>
+                  <a:txBody>
+                    <a:bodyPr/>
+                    <a:lstStyle/>
+                    <a:p>
+                      <a:endParaRPr lang="en-US" dirty="0"/>
+                    </a:p>
+                  </a:txBody>
+                  <a:tcPr/>
+                </a:tc>
+              </a:tr>
+            </a:tbl>
+          </a:graphicData>
+        </a:graphic>
+      </p:graphicFrame>
+    </p:spTree>
+    <p:extLst>
+      <p:ext uri="{BB962C8B-B14F-4D97-AF65-F5344CB8AC3E}">
+        <p14:creationId xmlns:p14="http://schemas.microsoft.com/office/powerpoint/2010/main" val="1104792947"/>
+      </p:ext>
+    </p:extLst>
+  </p:cSld>
+  <p:clrMapOvr>
+    <a:masterClrMapping/>
+  </p:clrMapOvr>
+</p:sld>
+</file>
+
+<file path=ppt/slides/slide9.xml><?xml version="1.0" encoding="utf-8"?>
+<p:sld xmlns:a="http://schemas.openxmlformats.org/drawingml/2006/main" xmlns:r="http://schemas.openxmlformats.org/officeDocument/2006/relationships" xmlns:p="http://schemas.openxmlformats.org/presentationml/2006/main">
+  <p:cSld>
+    <p:spTree>
+      <p:nvGrpSpPr>
+        <p:cNvPr id="1" name=""/>
+        <p:cNvGrpSpPr/>
+        <p:nvPr/>
+      </p:nvGrpSpPr>
+      <p:grpSpPr>
+        <a:xfrm>
+          <a:off x="0" y="0"/>
+          <a:ext cx="0" cy="0"/>
+          <a:chOff x="0" y="0"/>
+          <a:chExt cx="0" cy="0"/>
+        </a:xfrm>
+      </p:grpSpPr>
+      <p:sp>
+        <p:nvSpPr>
+          <p:cNvPr id="2" name="Title 1"/>
+          <p:cNvSpPr>
+            <a:spLocks noGrp="1"/>
+          </p:cNvSpPr>
+          <p:nvPr>
+            <p:ph type="title"/>
+          </p:nvPr>
+        </p:nvSpPr>
+        <p:spPr/>
+        <p:txBody>
+          <a:bodyPr>
+            <a:normAutofit/>
+          </a:bodyPr>
+          <a:lstStyle/>
+          <a:p>
+            <a:r>
+              <a:rPr lang="en-US" dirty="0" smtClean="0"/>
+              <a:t>Expanded Use Case: Load</a:t>
+            </a:r>
+            <a:endParaRPr lang="en-US" dirty="0"/>
+          </a:p>
+        </p:txBody>
+      </p:sp>
+      <p:graphicFrame>
+        <p:nvGraphicFramePr>
+          <p:cNvPr id="3" name="Table 2"/>
+          <p:cNvGraphicFramePr>
+            <a:graphicFrameLocks noGrp="1"/>
+          </p:cNvGraphicFramePr>
+          <p:nvPr>
+            <p:extLst>
+              <p:ext uri="{D42A27DB-BD31-4B8C-83A1-F6EECF244321}">
+                <p14:modId xmlns:p14="http://schemas.microsoft.com/office/powerpoint/2010/main" val="3611216109"/>
+              </p:ext>
+            </p:extLst>
+          </p:nvPr>
+        </p:nvGraphicFramePr>
+        <p:xfrm>
+          <a:off x="1524000" y="1397000"/>
+          <a:ext cx="6096000" cy="4216400"/>
+        </p:xfrm>
+        <a:graphic>
+          <a:graphicData uri="http://schemas.openxmlformats.org/drawingml/2006/table">
+            <a:tbl>
+              <a:tblPr firstRow="1" bandRow="1">
+                <a:tableStyleId>{5C22544A-7EE6-4342-B048-85BDC9FD1C3A}</a:tableStyleId>
+              </a:tblPr>
+              <a:tblGrid>
+                <a:gridCol w="3048000"/>
+                <a:gridCol w="3048000"/>
+              </a:tblGrid>
+              <a:tr h="370840">
+                <a:tc gridSpan="2">
+                  <a:txBody>
+                    <a:bodyPr/>
+                    <a:lstStyle/>
+                    <a:p>
+                      <a:r>
+                        <a:rPr lang="en-US" dirty="0" smtClean="0"/>
+                        <a:t>Precondition: User is at</a:t>
+                      </a:r>
+                      <a:r>
+                        <a:rPr lang="en-US" baseline="0" dirty="0" smtClean="0"/>
+                        <a:t> algorithm</a:t>
+                      </a:r>
+                      <a:r>
+                        <a:rPr lang="en-US" dirty="0" smtClean="0"/>
+                        <a:t> section</a:t>
+                      </a:r>
+                      <a:r>
+                        <a:rPr lang="en-US" baseline="0" dirty="0" smtClean="0"/>
+                        <a:t>.</a:t>
+                      </a:r>
+                      <a:endParaRPr lang="en-US" dirty="0"/>
+                    </a:p>
+                  </a:txBody>
+                  <a:tcPr/>
+                </a:tc>
+                <a:tc hMerge="1">
+                  <a:txBody>
+                    <a:bodyPr/>
+                    <a:lstStyle/>
+                    <a:p>
+                      <a:endParaRPr lang="en-US" dirty="0"/>
+                    </a:p>
+                  </a:txBody>
+                  <a:tcPr/>
+                </a:tc>
+              </a:tr>
+              <a:tr h="370840">
+                <a:tc>
+                  <a:txBody>
+                    <a:bodyPr/>
+                    <a:lstStyle/>
+                    <a:p>
+                      <a:r>
+                        <a:rPr lang="en-US" dirty="0" smtClean="0"/>
+                        <a:t>Actor: User</a:t>
+                      </a:r>
+                      <a:endParaRPr lang="en-US" dirty="0"/>
+                    </a:p>
+                  </a:txBody>
+                  <a:tcPr/>
+                </a:tc>
+                <a:tc>
+                  <a:txBody>
+                    <a:bodyPr/>
+                    <a:lstStyle/>
+                    <a:p>
+                      <a:r>
+                        <a:rPr lang="en-US" dirty="0" smtClean="0"/>
+                        <a:t>System: Market</a:t>
+                      </a:r>
+                      <a:endParaRPr lang="en-US" dirty="0"/>
+                    </a:p>
+                  </a:txBody>
+                  <a:tcPr/>
+                </a:tc>
+              </a:tr>
+              <a:tr h="370840">
+                <a:tc>
+                  <a:txBody>
+                    <a:bodyPr/>
+                    <a:lstStyle/>
+                    <a:p>
+                      <a:endParaRPr lang="en-US" dirty="0"/>
+                    </a:p>
+                  </a:txBody>
+                  <a:tcPr/>
+                </a:tc>
+                <a:tc>
+                  <a:txBody>
+                    <a:bodyPr/>
+                    <a:lstStyle/>
+                    <a:p>
+                      <a:r>
+                        <a:rPr lang="en-US" dirty="0" smtClean="0"/>
+                        <a:t>(0)Market displays</a:t>
+                      </a:r>
+                      <a:r>
+                        <a:rPr lang="en-US" baseline="0" dirty="0" smtClean="0"/>
+                        <a:t> algorithm </a:t>
+                      </a:r>
+                      <a:r>
+                        <a:rPr lang="en-US" baseline="0" dirty="0" err="1" smtClean="0"/>
+                        <a:t>gui</a:t>
+                      </a:r>
+                      <a:endParaRPr lang="en-US" dirty="0"/>
+                    </a:p>
+                  </a:txBody>
+                  <a:tcPr/>
+                </a:tc>
+              </a:tr>
+              <a:tr h="370840">
+                <a:tc>
+                  <a:txBody>
+                    <a:bodyPr/>
+                    <a:lstStyle/>
+                    <a:p>
+                      <a:r>
+                        <a:rPr lang="en-US" dirty="0" smtClean="0"/>
+                        <a:t>(1)TUCBW User enters</a:t>
+                      </a:r>
+                      <a:r>
+                        <a:rPr lang="en-US" baseline="0" dirty="0" smtClean="0"/>
+                        <a:t> name of item to be searched for.</a:t>
+                      </a:r>
+                      <a:endParaRPr lang="en-US" dirty="0"/>
+                    </a:p>
+                  </a:txBody>
+                  <a:tcPr/>
+                </a:tc>
+                <a:tc>
+                  <a:txBody>
+                    <a:bodyPr/>
+                    <a:lstStyle/>
+                    <a:p>
+                      <a:r>
+                        <a:rPr lang="en-US" dirty="0" smtClean="0"/>
+                        <a:t>(2) Market</a:t>
+                      </a:r>
+                      <a:r>
+                        <a:rPr lang="en-US" baseline="0" dirty="0" smtClean="0"/>
+                        <a:t> finds a list of items with full or partial matching names.</a:t>
+                      </a:r>
+                      <a:endParaRPr lang="en-US" dirty="0"/>
+                    </a:p>
+                  </a:txBody>
+                  <a:tcPr/>
+                </a:tc>
+              </a:tr>
+              <a:tr h="370840">
+                <a:tc>
+                  <a:txBody>
+                    <a:bodyPr/>
+                    <a:lstStyle/>
+                    <a:p>
+                      <a:r>
+                        <a:rPr lang="en-US" dirty="0" smtClean="0"/>
+                        <a:t>(3) User selects desired item</a:t>
+                      </a:r>
+                      <a:endParaRPr lang="en-US" dirty="0"/>
+                    </a:p>
+                  </a:txBody>
+                  <a:tcPr/>
+                </a:tc>
+                <a:tc>
+                  <a:txBody>
+                    <a:bodyPr/>
+                    <a:lstStyle/>
+                    <a:p>
+                      <a:r>
+                        <a:rPr lang="en-US" dirty="0" smtClean="0"/>
+                        <a:t>(4) Market displays</a:t>
+                      </a:r>
+                      <a:r>
+                        <a:rPr lang="en-US" baseline="0" dirty="0" smtClean="0"/>
+                        <a:t> data about item</a:t>
+                      </a:r>
+                    </a:p>
+                  </a:txBody>
+                  <a:tcPr/>
+                </a:tc>
+              </a:tr>
+              <a:tr h="370840">
+                <a:tc>
+                  <a:txBody>
+                    <a:bodyPr/>
+                    <a:lstStyle/>
+                    <a:p>
+                      <a:r>
+                        <a:rPr lang="en-US" dirty="0" smtClean="0"/>
+                        <a:t>(5) User selects pre-set algorithm</a:t>
+                      </a:r>
+                      <a:r>
+                        <a:rPr lang="en-US" baseline="0" dirty="0" smtClean="0"/>
+                        <a:t> to apply to item</a:t>
+                      </a:r>
+                      <a:endParaRPr lang="en-US" dirty="0"/>
+                    </a:p>
+                  </a:txBody>
+                  <a:tcPr/>
+                </a:tc>
+                <a:tc>
+                  <a:txBody>
+                    <a:bodyPr/>
+                    <a:lstStyle/>
+                    <a:p>
+                      <a:r>
+                        <a:rPr lang="en-US" baseline="0" dirty="0" smtClean="0"/>
+                        <a:t>(6) Market applies algorithm to item’s sell history.</a:t>
+                      </a:r>
+                    </a:p>
+                  </a:txBody>
+                  <a:tcPr/>
+                </a:tc>
+              </a:tr>
+              <a:tr h="370840">
+                <a:tc>
+                  <a:txBody>
+                    <a:bodyPr/>
+                    <a:lstStyle/>
+                    <a:p>
+                      <a:r>
+                        <a:rPr lang="en-US" dirty="0" smtClean="0"/>
+                        <a:t>(7) TUCEW User interprets data.</a:t>
+                      </a:r>
+                      <a:endParaRPr lang="en-US" dirty="0"/>
+                    </a:p>
+                  </a:txBody>
+                  <a:tcPr/>
+                </a:tc>
+                <a:tc>
+                  <a:txBody>
+                    <a:bodyPr/>
+                    <a:lstStyle/>
+                    <a:p>
+                      <a:endParaRPr lang="en-US" baseline="0" dirty="0" smtClean="0"/>
+                    </a:p>
+                  </a:txBody>
+                  <a:tcPr/>
+                </a:tc>
+              </a:tr>
+            </a:tbl>
+          </a:graphicData>
+        </a:graphic>
+      </p:graphicFrame>
+    </p:spTree>
+    <p:extLst>
+      <p:ext uri="{BB962C8B-B14F-4D97-AF65-F5344CB8AC3E}">
+        <p14:creationId xmlns:p14="http://schemas.microsoft.com/office/powerpoint/2010/main" val="1649723161"/>
+      </p:ext>
+    </p:extLst>
+  </p:cSld>
+  <p:clrMapOvr>
+    <a:masterClrMapping/>
+  </p:clrMapOvr>
 </p:sld>
 </file>
 

--- a/ME/Presentation1.pptx
+++ b/ME/Presentation1.pptx
@@ -299,7 +299,7 @@
           <a:p>
             <a:fld id="{2AA42D19-0363-4784-B6C4-A593B744456C}" type="datetimeFigureOut">
               <a:rPr lang="en-US" smtClean="0"/>
-              <a:t>3/7/2016</a:t>
+              <a:t>3/8/2016</a:t>
             </a:fld>
             <a:endParaRPr lang="en-US"/>
           </a:p>
@@ -469,7 +469,7 @@
           <a:p>
             <a:fld id="{2AA42D19-0363-4784-B6C4-A593B744456C}" type="datetimeFigureOut">
               <a:rPr lang="en-US" smtClean="0"/>
-              <a:t>3/7/2016</a:t>
+              <a:t>3/8/2016</a:t>
             </a:fld>
             <a:endParaRPr lang="en-US"/>
           </a:p>
@@ -649,7 +649,7 @@
           <a:p>
             <a:fld id="{2AA42D19-0363-4784-B6C4-A593B744456C}" type="datetimeFigureOut">
               <a:rPr lang="en-US" smtClean="0"/>
-              <a:t>3/7/2016</a:t>
+              <a:t>3/8/2016</a:t>
             </a:fld>
             <a:endParaRPr lang="en-US"/>
           </a:p>
@@ -819,7 +819,7 @@
           <a:p>
             <a:fld id="{2AA42D19-0363-4784-B6C4-A593B744456C}" type="datetimeFigureOut">
               <a:rPr lang="en-US" smtClean="0"/>
-              <a:t>3/7/2016</a:t>
+              <a:t>3/8/2016</a:t>
             </a:fld>
             <a:endParaRPr lang="en-US"/>
           </a:p>
@@ -1065,7 +1065,7 @@
           <a:p>
             <a:fld id="{2AA42D19-0363-4784-B6C4-A593B744456C}" type="datetimeFigureOut">
               <a:rPr lang="en-US" smtClean="0"/>
-              <a:t>3/7/2016</a:t>
+              <a:t>3/8/2016</a:t>
             </a:fld>
             <a:endParaRPr lang="en-US"/>
           </a:p>
@@ -1353,7 +1353,7 @@
           <a:p>
             <a:fld id="{2AA42D19-0363-4784-B6C4-A593B744456C}" type="datetimeFigureOut">
               <a:rPr lang="en-US" smtClean="0"/>
-              <a:t>3/7/2016</a:t>
+              <a:t>3/8/2016</a:t>
             </a:fld>
             <a:endParaRPr lang="en-US"/>
           </a:p>
@@ -1775,7 +1775,7 @@
           <a:p>
             <a:fld id="{2AA42D19-0363-4784-B6C4-A593B744456C}" type="datetimeFigureOut">
               <a:rPr lang="en-US" smtClean="0"/>
-              <a:t>3/7/2016</a:t>
+              <a:t>3/8/2016</a:t>
             </a:fld>
             <a:endParaRPr lang="en-US"/>
           </a:p>
@@ -1893,7 +1893,7 @@
           <a:p>
             <a:fld id="{2AA42D19-0363-4784-B6C4-A593B744456C}" type="datetimeFigureOut">
               <a:rPr lang="en-US" smtClean="0"/>
-              <a:t>3/7/2016</a:t>
+              <a:t>3/8/2016</a:t>
             </a:fld>
             <a:endParaRPr lang="en-US"/>
           </a:p>
@@ -1988,7 +1988,7 @@
           <a:p>
             <a:fld id="{2AA42D19-0363-4784-B6C4-A593B744456C}" type="datetimeFigureOut">
               <a:rPr lang="en-US" smtClean="0"/>
-              <a:t>3/7/2016</a:t>
+              <a:t>3/8/2016</a:t>
             </a:fld>
             <a:endParaRPr lang="en-US"/>
           </a:p>
@@ -2265,7 +2265,7 @@
           <a:p>
             <a:fld id="{2AA42D19-0363-4784-B6C4-A593B744456C}" type="datetimeFigureOut">
               <a:rPr lang="en-US" smtClean="0"/>
-              <a:t>3/7/2016</a:t>
+              <a:t>3/8/2016</a:t>
             </a:fld>
             <a:endParaRPr lang="en-US"/>
           </a:p>
@@ -2518,7 +2518,7 @@
           <a:p>
             <a:fld id="{2AA42D19-0363-4784-B6C4-A593B744456C}" type="datetimeFigureOut">
               <a:rPr lang="en-US" smtClean="0"/>
-              <a:t>3/7/2016</a:t>
+              <a:t>3/8/2016</a:t>
             </a:fld>
             <a:endParaRPr lang="en-US"/>
           </a:p>
@@ -2731,7 +2731,7 @@
           <a:p>
             <a:fld id="{2AA42D19-0363-4784-B6C4-A593B744456C}" type="datetimeFigureOut">
               <a:rPr lang="en-US" smtClean="0"/>
-              <a:t>3/7/2016</a:t>
+              <a:t>3/8/2016</a:t>
             </a:fld>
             <a:endParaRPr lang="en-US"/>
           </a:p>
@@ -3250,7 +3250,11 @@
           <a:p>
             <a:r>
               <a:rPr lang="en-US" dirty="0" smtClean="0"/>
-              <a:t>Expanded Use Case: Load</a:t>
+              <a:t>Expanded Use Case: </a:t>
+            </a:r>
+            <a:r>
+              <a:rPr lang="en-US" dirty="0" smtClean="0"/>
+              <a:t>Test</a:t>
             </a:r>
             <a:endParaRPr lang="en-US" dirty="0"/>
           </a:p>
@@ -4015,18 +4019,16 @@
         </p:spPr>
         <p:style>
           <a:lnRef idx="2">
-            <a:schemeClr val="accent1">
-              <a:shade val="50000"/>
-            </a:schemeClr>
+            <a:schemeClr val="dk1"/>
           </a:lnRef>
           <a:fillRef idx="1">
-            <a:schemeClr val="accent1"/>
+            <a:schemeClr val="lt1"/>
           </a:fillRef>
           <a:effectRef idx="0">
-            <a:schemeClr val="accent1"/>
+            <a:schemeClr val="dk1"/>
           </a:effectRef>
           <a:fontRef idx="minor">
-            <a:schemeClr val="lt1"/>
+            <a:schemeClr val="dk1"/>
           </a:fontRef>
         </p:style>
         <p:txBody>
@@ -4136,27 +4138,25 @@
         </p:nvSpPr>
         <p:spPr>
           <a:xfrm>
-            <a:off x="1989568" y="1600200"/>
-            <a:ext cx="2057400" cy="4267200"/>
+            <a:off x="1989568" y="653018"/>
+            <a:ext cx="2057400" cy="6204982"/>
           </a:xfrm>
           <a:prstGeom prst="rect">
             <a:avLst/>
           </a:prstGeom>
         </p:spPr>
         <p:style>
-          <a:lnRef idx="2">
-            <a:schemeClr val="accent3">
-              <a:shade val="50000"/>
-            </a:schemeClr>
+          <a:lnRef idx="1">
+            <a:schemeClr val="dk1"/>
           </a:lnRef>
-          <a:fillRef idx="1">
-            <a:schemeClr val="accent3"/>
+          <a:fillRef idx="2">
+            <a:schemeClr val="dk1"/>
           </a:fillRef>
-          <a:effectRef idx="0">
-            <a:schemeClr val="accent3"/>
+          <a:effectRef idx="1">
+            <a:schemeClr val="dk1"/>
           </a:effectRef>
           <a:fontRef idx="minor">
-            <a:schemeClr val="lt1"/>
+            <a:schemeClr val="dk1"/>
           </a:fontRef>
         </p:style>
         <p:txBody>
@@ -4176,27 +4176,25 @@
         </p:nvSpPr>
         <p:spPr>
           <a:xfrm>
-            <a:off x="1989568" y="990600"/>
-            <a:ext cx="2057400" cy="609600"/>
+            <a:off x="1989568" y="43418"/>
+            <a:ext cx="2057400" cy="697396"/>
           </a:xfrm>
           <a:prstGeom prst="rect">
             <a:avLst/>
           </a:prstGeom>
         </p:spPr>
         <p:style>
-          <a:lnRef idx="2">
-            <a:schemeClr val="accent3">
-              <a:shade val="50000"/>
-            </a:schemeClr>
+          <a:lnRef idx="1">
+            <a:schemeClr val="dk1"/>
           </a:lnRef>
-          <a:fillRef idx="1">
-            <a:schemeClr val="accent3"/>
+          <a:fillRef idx="2">
+            <a:schemeClr val="dk1"/>
           </a:fillRef>
-          <a:effectRef idx="0">
-            <a:schemeClr val="accent3"/>
+          <a:effectRef idx="1">
+            <a:schemeClr val="dk1"/>
           </a:effectRef>
           <a:fontRef idx="minor">
-            <a:schemeClr val="lt1"/>
+            <a:schemeClr val="dk1"/>
           </a:fontRef>
         </p:style>
         <p:txBody>
@@ -4220,7 +4218,7 @@
         </p:nvSpPr>
         <p:spPr>
           <a:xfrm>
-            <a:off x="2256268" y="1685925"/>
+            <a:off x="2232055" y="740814"/>
             <a:ext cx="1524000" cy="742950"/>
           </a:xfrm>
           <a:prstGeom prst="ellipse">
@@ -4228,19 +4226,17 @@
           </a:prstGeom>
         </p:spPr>
         <p:style>
-          <a:lnRef idx="2">
-            <a:schemeClr val="accent1">
-              <a:shade val="50000"/>
-            </a:schemeClr>
+          <a:lnRef idx="1">
+            <a:schemeClr val="accent1"/>
           </a:lnRef>
-          <a:fillRef idx="1">
+          <a:fillRef idx="2">
             <a:schemeClr val="accent1"/>
           </a:fillRef>
-          <a:effectRef idx="0">
+          <a:effectRef idx="1">
             <a:schemeClr val="accent1"/>
           </a:effectRef>
           <a:fontRef idx="minor">
-            <a:schemeClr val="lt1"/>
+            <a:schemeClr val="dk1"/>
           </a:fontRef>
         </p:style>
         <p:txBody>
@@ -4258,13 +4254,15 @@
       <p:cxnSp>
         <p:nvCxnSpPr>
           <p:cNvPr id="16" name="Straight Arrow Connector 15"/>
-          <p:cNvCxnSpPr/>
+          <p:cNvCxnSpPr>
+            <a:endCxn id="20" idx="2"/>
+          </p:cNvCxnSpPr>
           <p:nvPr/>
         </p:nvCxnSpPr>
         <p:spPr>
           <a:xfrm flipV="1">
-            <a:off x="1246618" y="2047786"/>
-            <a:ext cx="1009650" cy="466814"/>
+            <a:off x="1246618" y="1855239"/>
+            <a:ext cx="1009650" cy="659361"/>
           </a:xfrm>
           <a:prstGeom prst="straightConnector1">
             <a:avLst/>
@@ -4296,7 +4294,7 @@
         </p:nvSpPr>
         <p:spPr>
           <a:xfrm>
-            <a:off x="2256268" y="2457450"/>
+            <a:off x="2256268" y="1483764"/>
             <a:ext cx="1524000" cy="742950"/>
           </a:xfrm>
           <a:prstGeom prst="ellipse">
@@ -4304,19 +4302,17 @@
           </a:prstGeom>
         </p:spPr>
         <p:style>
-          <a:lnRef idx="2">
-            <a:schemeClr val="accent1">
-              <a:shade val="50000"/>
-            </a:schemeClr>
+          <a:lnRef idx="1">
+            <a:schemeClr val="accent1"/>
           </a:lnRef>
-          <a:fillRef idx="1">
+          <a:fillRef idx="2">
             <a:schemeClr val="accent1"/>
           </a:fillRef>
-          <a:effectRef idx="0">
+          <a:effectRef idx="1">
             <a:schemeClr val="accent1"/>
           </a:effectRef>
           <a:fontRef idx="minor">
-            <a:schemeClr val="lt1"/>
+            <a:schemeClr val="dk1"/>
           </a:fontRef>
         </p:style>
         <p:txBody>
@@ -4339,7 +4335,7 @@
         </p:nvSpPr>
         <p:spPr>
           <a:xfrm>
-            <a:off x="2256268" y="3259508"/>
+            <a:off x="2256268" y="2226714"/>
             <a:ext cx="1524000" cy="742950"/>
           </a:xfrm>
           <a:prstGeom prst="ellipse">
@@ -4347,19 +4343,17 @@
           </a:prstGeom>
         </p:spPr>
         <p:style>
-          <a:lnRef idx="2">
-            <a:schemeClr val="accent1">
-              <a:shade val="50000"/>
-            </a:schemeClr>
+          <a:lnRef idx="1">
+            <a:schemeClr val="accent1"/>
           </a:lnRef>
-          <a:fillRef idx="1">
+          <a:fillRef idx="2">
             <a:schemeClr val="accent1"/>
           </a:fillRef>
-          <a:effectRef idx="0">
+          <a:effectRef idx="1">
             <a:schemeClr val="accent1"/>
           </a:effectRef>
           <a:fontRef idx="minor">
-            <a:schemeClr val="lt1"/>
+            <a:schemeClr val="dk1"/>
           </a:fontRef>
         </p:style>
         <p:txBody>
@@ -4369,8 +4363,9 @@
             <a:pPr algn="ctr"/>
             <a:r>
               <a:rPr lang="en-US" dirty="0" smtClean="0"/>
-              <a:t>Run</a:t>
-            </a:r>
+              <a:t>Change Server</a:t>
+            </a:r>
+            <a:endParaRPr lang="en-US" dirty="0" smtClean="0"/>
           </a:p>
         </p:txBody>
       </p:sp>
@@ -4382,7 +4377,7 @@
         </p:nvSpPr>
         <p:spPr>
           <a:xfrm>
-            <a:off x="2256268" y="4057650"/>
+            <a:off x="2237040" y="2981325"/>
             <a:ext cx="1524000" cy="742950"/>
           </a:xfrm>
           <a:prstGeom prst="ellipse">
@@ -4390,19 +4385,17 @@
           </a:prstGeom>
         </p:spPr>
         <p:style>
-          <a:lnRef idx="2">
-            <a:schemeClr val="accent1">
-              <a:shade val="50000"/>
-            </a:schemeClr>
+          <a:lnRef idx="1">
+            <a:schemeClr val="accent1"/>
           </a:lnRef>
-          <a:fillRef idx="1">
+          <a:fillRef idx="2">
             <a:schemeClr val="accent1"/>
           </a:fillRef>
-          <a:effectRef idx="0">
+          <a:effectRef idx="1">
             <a:schemeClr val="accent1"/>
           </a:effectRef>
           <a:fontRef idx="minor">
-            <a:schemeClr val="lt1"/>
+            <a:schemeClr val="dk1"/>
           </a:fontRef>
         </p:style>
         <p:txBody>
@@ -4412,8 +4405,9 @@
             <a:pPr algn="ctr"/>
             <a:r>
               <a:rPr lang="en-US" dirty="0" smtClean="0"/>
-              <a:t>Change Server</a:t>
-            </a:r>
+              <a:t>Help</a:t>
+            </a:r>
+            <a:endParaRPr lang="en-US" dirty="0" smtClean="0"/>
           </a:p>
         </p:txBody>
       </p:sp>
@@ -4425,7 +4419,7 @@
         </p:nvSpPr>
         <p:spPr>
           <a:xfrm>
-            <a:off x="2256268" y="4913387"/>
+            <a:off x="2256268" y="3732814"/>
             <a:ext cx="1524000" cy="742950"/>
           </a:xfrm>
           <a:prstGeom prst="ellipse">
@@ -4433,19 +4427,17 @@
           </a:prstGeom>
         </p:spPr>
         <p:style>
-          <a:lnRef idx="2">
-            <a:schemeClr val="accent1">
-              <a:shade val="50000"/>
-            </a:schemeClr>
+          <a:lnRef idx="1">
+            <a:schemeClr val="accent1"/>
           </a:lnRef>
-          <a:fillRef idx="1">
+          <a:fillRef idx="2">
             <a:schemeClr val="accent1"/>
           </a:fillRef>
-          <a:effectRef idx="0">
+          <a:effectRef idx="1">
             <a:schemeClr val="accent1"/>
           </a:effectRef>
           <a:fontRef idx="minor">
-            <a:schemeClr val="lt1"/>
+            <a:schemeClr val="dk1"/>
           </a:fontRef>
         </p:style>
         <p:txBody>
@@ -4455,8 +4447,9 @@
             <a:pPr algn="ctr"/>
             <a:r>
               <a:rPr lang="en-US" dirty="0" smtClean="0"/>
-              <a:t>Help</a:t>
-            </a:r>
+              <a:t>Check Sell&gt;Buy</a:t>
+            </a:r>
+            <a:endParaRPr lang="en-US" dirty="0" smtClean="0"/>
           </a:p>
         </p:txBody>
       </p:sp>
@@ -4476,19 +4469,17 @@
           </a:prstGeom>
         </p:spPr>
         <p:style>
-          <a:lnRef idx="2">
-            <a:schemeClr val="accent1">
-              <a:shade val="50000"/>
-            </a:schemeClr>
+          <a:lnRef idx="1">
+            <a:schemeClr val="accent6"/>
           </a:lnRef>
-          <a:fillRef idx="1">
-            <a:schemeClr val="accent1"/>
+          <a:fillRef idx="2">
+            <a:schemeClr val="accent6"/>
           </a:fillRef>
-          <a:effectRef idx="0">
-            <a:schemeClr val="accent1"/>
+          <a:effectRef idx="1">
+            <a:schemeClr val="accent6"/>
           </a:effectRef>
           <a:fontRef idx="minor">
-            <a:schemeClr val="lt1"/>
+            <a:schemeClr val="dk1"/>
           </a:fontRef>
         </p:style>
         <p:txBody>
@@ -4508,14 +4499,14 @@
         <p:nvCxnSpPr>
           <p:cNvPr id="28" name="Straight Arrow Connector 27"/>
           <p:cNvCxnSpPr>
-            <a:endCxn id="20" idx="2"/>
+            <a:endCxn id="19" idx="2"/>
           </p:cNvCxnSpPr>
           <p:nvPr/>
         </p:nvCxnSpPr>
         <p:spPr>
-          <a:xfrm>
-            <a:off x="1246618" y="2514600"/>
-            <a:ext cx="1009650" cy="314325"/>
+          <a:xfrm flipV="1">
+            <a:off x="1263353" y="1112289"/>
+            <a:ext cx="968702" cy="1423742"/>
           </a:xfrm>
           <a:prstGeom prst="straightConnector1">
             <a:avLst/>
@@ -4549,8 +4540,8 @@
         </p:nvCxnSpPr>
         <p:spPr>
           <a:xfrm>
-            <a:off x="1287566" y="2514600"/>
-            <a:ext cx="968702" cy="1914525"/>
+            <a:off x="1287566" y="2536031"/>
+            <a:ext cx="949474" cy="816769"/>
           </a:xfrm>
           <a:prstGeom prst="straightConnector1">
             <a:avLst/>
@@ -4584,8 +4575,8 @@
         </p:nvCxnSpPr>
         <p:spPr>
           <a:xfrm>
-            <a:off x="1287566" y="2571750"/>
-            <a:ext cx="968702" cy="2713112"/>
+            <a:off x="1287566" y="2536031"/>
+            <a:ext cx="968702" cy="1568258"/>
           </a:xfrm>
           <a:prstGeom prst="straightConnector1">
             <a:avLst/>
@@ -4619,8 +4610,8 @@
         </p:nvCxnSpPr>
         <p:spPr>
           <a:xfrm>
-            <a:off x="1287566" y="2514600"/>
-            <a:ext cx="968702" cy="1116383"/>
+            <a:off x="1246618" y="2514600"/>
+            <a:ext cx="1009650" cy="83589"/>
           </a:xfrm>
           <a:prstGeom prst="straightConnector1">
             <a:avLst/>
@@ -4722,18 +4713,16 @@
         </p:spPr>
         <p:style>
           <a:lnRef idx="2">
-            <a:schemeClr val="accent1">
-              <a:shade val="50000"/>
-            </a:schemeClr>
+            <a:schemeClr val="dk1"/>
           </a:lnRef>
           <a:fillRef idx="1">
-            <a:schemeClr val="accent1"/>
+            <a:schemeClr val="lt1"/>
           </a:fillRef>
           <a:effectRef idx="0">
-            <a:schemeClr val="accent1"/>
+            <a:schemeClr val="dk1"/>
           </a:effectRef>
           <a:fontRef idx="minor">
-            <a:schemeClr val="lt1"/>
+            <a:schemeClr val="dk1"/>
           </a:fontRef>
         </p:style>
         <p:txBody>
@@ -4851,19 +4840,17 @@
           </a:prstGeom>
         </p:spPr>
         <p:style>
-          <a:lnRef idx="2">
-            <a:schemeClr val="accent3">
-              <a:shade val="50000"/>
-            </a:schemeClr>
+          <a:lnRef idx="1">
+            <a:schemeClr val="dk1"/>
           </a:lnRef>
-          <a:fillRef idx="1">
-            <a:schemeClr val="accent3"/>
+          <a:fillRef idx="2">
+            <a:schemeClr val="dk1"/>
           </a:fillRef>
-          <a:effectRef idx="0">
-            <a:schemeClr val="accent3"/>
+          <a:effectRef idx="1">
+            <a:schemeClr val="dk1"/>
           </a:effectRef>
           <a:fontRef idx="minor">
-            <a:schemeClr val="lt1"/>
+            <a:schemeClr val="dk1"/>
           </a:fontRef>
         </p:style>
         <p:txBody>
@@ -4891,19 +4878,17 @@
           </a:prstGeom>
         </p:spPr>
         <p:style>
-          <a:lnRef idx="2">
-            <a:schemeClr val="accent1">
-              <a:shade val="50000"/>
-            </a:schemeClr>
+          <a:lnRef idx="1">
+            <a:schemeClr val="accent1"/>
           </a:lnRef>
-          <a:fillRef idx="1">
+          <a:fillRef idx="2">
             <a:schemeClr val="accent1"/>
           </a:fillRef>
-          <a:effectRef idx="0">
+          <a:effectRef idx="1">
             <a:schemeClr val="accent1"/>
           </a:effectRef>
           <a:fontRef idx="minor">
-            <a:schemeClr val="lt1"/>
+            <a:schemeClr val="dk1"/>
           </a:fontRef>
         </p:style>
         <p:txBody>
@@ -4967,19 +4952,17 @@
           </a:prstGeom>
         </p:spPr>
         <p:style>
-          <a:lnRef idx="2">
-            <a:schemeClr val="accent1">
-              <a:shade val="50000"/>
-            </a:schemeClr>
+          <a:lnRef idx="1">
+            <a:schemeClr val="accent1"/>
           </a:lnRef>
-          <a:fillRef idx="1">
+          <a:fillRef idx="2">
             <a:schemeClr val="accent1"/>
           </a:fillRef>
-          <a:effectRef idx="0">
+          <a:effectRef idx="1">
             <a:schemeClr val="accent1"/>
           </a:effectRef>
           <a:fontRef idx="minor">
-            <a:schemeClr val="lt1"/>
+            <a:schemeClr val="dk1"/>
           </a:fontRef>
         </p:style>
         <p:txBody>
@@ -5010,19 +4993,17 @@
           </a:prstGeom>
         </p:spPr>
         <p:style>
-          <a:lnRef idx="2">
-            <a:schemeClr val="accent1">
-              <a:shade val="50000"/>
-            </a:schemeClr>
+          <a:lnRef idx="1">
+            <a:schemeClr val="accent6"/>
           </a:lnRef>
-          <a:fillRef idx="1">
-            <a:schemeClr val="accent1"/>
+          <a:fillRef idx="2">
+            <a:schemeClr val="accent6"/>
           </a:fillRef>
-          <a:effectRef idx="0">
-            <a:schemeClr val="accent1"/>
+          <a:effectRef idx="1">
+            <a:schemeClr val="accent6"/>
           </a:effectRef>
           <a:fontRef idx="minor">
-            <a:schemeClr val="lt1"/>
+            <a:schemeClr val="dk1"/>
           </a:fontRef>
         </p:style>
         <p:txBody>
@@ -5089,19 +5070,17 @@
           </a:prstGeom>
         </p:spPr>
         <p:style>
-          <a:lnRef idx="2">
-            <a:schemeClr val="accent3">
-              <a:shade val="50000"/>
-            </a:schemeClr>
+          <a:lnRef idx="1">
+            <a:schemeClr val="dk1"/>
           </a:lnRef>
-          <a:fillRef idx="1">
-            <a:schemeClr val="accent3"/>
+          <a:fillRef idx="2">
+            <a:schemeClr val="dk1"/>
           </a:fillRef>
-          <a:effectRef idx="0">
-            <a:schemeClr val="accent3"/>
+          <a:effectRef idx="1">
+            <a:schemeClr val="dk1"/>
           </a:effectRef>
           <a:fontRef idx="minor">
-            <a:schemeClr val="lt1"/>
+            <a:schemeClr val="dk1"/>
           </a:fontRef>
         </p:style>
         <p:txBody>
@@ -5117,6 +5096,231 @@
           </a:p>
         </p:txBody>
       </p:sp>
+      <p:sp>
+        <p:nvSpPr>
+          <p:cNvPr id="33" name="Oval 32"/>
+          <p:cNvSpPr/>
+          <p:nvPr/>
+        </p:nvSpPr>
+        <p:spPr>
+          <a:xfrm>
+            <a:off x="2232055" y="4480749"/>
+            <a:ext cx="1524000" cy="742950"/>
+          </a:xfrm>
+          <a:prstGeom prst="ellipse">
+            <a:avLst/>
+          </a:prstGeom>
+        </p:spPr>
+        <p:style>
+          <a:lnRef idx="1">
+            <a:schemeClr val="accent1"/>
+          </a:lnRef>
+          <a:fillRef idx="2">
+            <a:schemeClr val="accent1"/>
+          </a:fillRef>
+          <a:effectRef idx="1">
+            <a:schemeClr val="accent1"/>
+          </a:effectRef>
+          <a:fontRef idx="minor">
+            <a:schemeClr val="dk1"/>
+          </a:fontRef>
+        </p:style>
+        <p:txBody>
+          <a:bodyPr rtlCol="0" anchor="ctr"/>
+          <a:lstStyle/>
+          <a:p>
+            <a:pPr algn="ctr"/>
+            <a:r>
+              <a:rPr lang="en-US" dirty="0" smtClean="0"/>
+              <a:t>Top 10 increase</a:t>
+            </a:r>
+            <a:endParaRPr lang="en-US" dirty="0" smtClean="0"/>
+          </a:p>
+        </p:txBody>
+      </p:sp>
+      <p:sp>
+        <p:nvSpPr>
+          <p:cNvPr id="34" name="Oval 33"/>
+          <p:cNvSpPr/>
+          <p:nvPr/>
+        </p:nvSpPr>
+        <p:spPr>
+          <a:xfrm>
+            <a:off x="2232055" y="5230108"/>
+            <a:ext cx="1524000" cy="742950"/>
+          </a:xfrm>
+          <a:prstGeom prst="ellipse">
+            <a:avLst/>
+          </a:prstGeom>
+        </p:spPr>
+        <p:style>
+          <a:lnRef idx="1">
+            <a:schemeClr val="accent1"/>
+          </a:lnRef>
+          <a:fillRef idx="2">
+            <a:schemeClr val="accent1"/>
+          </a:fillRef>
+          <a:effectRef idx="1">
+            <a:schemeClr val="accent1"/>
+          </a:effectRef>
+          <a:fontRef idx="minor">
+            <a:schemeClr val="dk1"/>
+          </a:fontRef>
+        </p:style>
+        <p:txBody>
+          <a:bodyPr rtlCol="0" anchor="ctr"/>
+          <a:lstStyle/>
+          <a:p>
+            <a:pPr algn="ctr"/>
+            <a:r>
+              <a:rPr lang="en-US" dirty="0" smtClean="0"/>
+              <a:t>Top 10 Decrease</a:t>
+            </a:r>
+            <a:endParaRPr lang="en-US" dirty="0" smtClean="0"/>
+          </a:p>
+        </p:txBody>
+      </p:sp>
+      <p:sp>
+        <p:nvSpPr>
+          <p:cNvPr id="56" name="Oval 55"/>
+          <p:cNvSpPr/>
+          <p:nvPr/>
+        </p:nvSpPr>
+        <p:spPr>
+          <a:xfrm>
+            <a:off x="2232055" y="5973058"/>
+            <a:ext cx="1524000" cy="742950"/>
+          </a:xfrm>
+          <a:prstGeom prst="ellipse">
+            <a:avLst/>
+          </a:prstGeom>
+        </p:spPr>
+        <p:style>
+          <a:lnRef idx="1">
+            <a:schemeClr val="accent1"/>
+          </a:lnRef>
+          <a:fillRef idx="2">
+            <a:schemeClr val="accent1"/>
+          </a:fillRef>
+          <a:effectRef idx="1">
+            <a:schemeClr val="accent1"/>
+          </a:effectRef>
+          <a:fontRef idx="minor">
+            <a:schemeClr val="dk1"/>
+          </a:fontRef>
+        </p:style>
+        <p:txBody>
+          <a:bodyPr rtlCol="0" anchor="ctr"/>
+          <a:lstStyle/>
+          <a:p>
+            <a:pPr algn="ctr"/>
+            <a:r>
+              <a:rPr lang="en-US" dirty="0" smtClean="0"/>
+              <a:t>Top 10 Most sold</a:t>
+            </a:r>
+            <a:endParaRPr lang="en-US" dirty="0" smtClean="0"/>
+          </a:p>
+        </p:txBody>
+      </p:sp>
+      <p:cxnSp>
+        <p:nvCxnSpPr>
+          <p:cNvPr id="57" name="Straight Arrow Connector 56"/>
+          <p:cNvCxnSpPr/>
+          <p:nvPr/>
+        </p:nvCxnSpPr>
+        <p:spPr>
+          <a:xfrm>
+            <a:off x="1263353" y="2536031"/>
+            <a:ext cx="992915" cy="2316193"/>
+          </a:xfrm>
+          <a:prstGeom prst="straightConnector1">
+            <a:avLst/>
+          </a:prstGeom>
+          <a:ln>
+            <a:tailEnd type="arrow"/>
+          </a:ln>
+        </p:spPr>
+        <p:style>
+          <a:lnRef idx="2">
+            <a:schemeClr val="accent2"/>
+          </a:lnRef>
+          <a:fillRef idx="0">
+            <a:schemeClr val="accent2"/>
+          </a:fillRef>
+          <a:effectRef idx="1">
+            <a:schemeClr val="accent2"/>
+          </a:effectRef>
+          <a:fontRef idx="minor">
+            <a:schemeClr val="tx1"/>
+          </a:fontRef>
+        </p:style>
+      </p:cxnSp>
+      <p:cxnSp>
+        <p:nvCxnSpPr>
+          <p:cNvPr id="58" name="Straight Arrow Connector 57"/>
+          <p:cNvCxnSpPr/>
+          <p:nvPr/>
+        </p:nvCxnSpPr>
+        <p:spPr>
+          <a:xfrm>
+            <a:off x="1263353" y="2514600"/>
+            <a:ext cx="1010363" cy="3096953"/>
+          </a:xfrm>
+          <a:prstGeom prst="straightConnector1">
+            <a:avLst/>
+          </a:prstGeom>
+          <a:ln>
+            <a:tailEnd type="arrow"/>
+          </a:ln>
+        </p:spPr>
+        <p:style>
+          <a:lnRef idx="2">
+            <a:schemeClr val="accent2"/>
+          </a:lnRef>
+          <a:fillRef idx="0">
+            <a:schemeClr val="accent2"/>
+          </a:fillRef>
+          <a:effectRef idx="1">
+            <a:schemeClr val="accent2"/>
+          </a:effectRef>
+          <a:fontRef idx="minor">
+            <a:schemeClr val="tx1"/>
+          </a:fontRef>
+        </p:style>
+      </p:cxnSp>
+      <p:cxnSp>
+        <p:nvCxnSpPr>
+          <p:cNvPr id="59" name="Straight Arrow Connector 58"/>
+          <p:cNvCxnSpPr/>
+          <p:nvPr/>
+        </p:nvCxnSpPr>
+        <p:spPr>
+          <a:xfrm>
+            <a:off x="1263353" y="2514600"/>
+            <a:ext cx="971194" cy="3829933"/>
+          </a:xfrm>
+          <a:prstGeom prst="straightConnector1">
+            <a:avLst/>
+          </a:prstGeom>
+          <a:ln>
+            <a:tailEnd type="arrow"/>
+          </a:ln>
+        </p:spPr>
+        <p:style>
+          <a:lnRef idx="2">
+            <a:schemeClr val="accent2"/>
+          </a:lnRef>
+          <a:fillRef idx="0">
+            <a:schemeClr val="accent2"/>
+          </a:fillRef>
+          <a:effectRef idx="1">
+            <a:schemeClr val="accent2"/>
+          </a:effectRef>
+          <a:fontRef idx="minor">
+            <a:schemeClr val="tx1"/>
+          </a:fontRef>
+        </p:style>
+      </p:cxnSp>
     </p:spTree>
     <p:extLst>
       <p:ext uri="{BB962C8B-B14F-4D97-AF65-F5344CB8AC3E}">
